--- a/cartoon.pptx
+++ b/cartoon.pptx
@@ -3321,68 +3321,12 @@
           <a:chExt cx="0" cy="0"/>
         </a:xfrm>
       </p:grpSpPr>
-      <p:sp>
-        <p:nvSpPr>
-          <p:cNvPr id="17" name="Cloud 16">
-            <a:extLst>
-              <a:ext uri="{FF2B5EF4-FFF2-40B4-BE49-F238E27FC236}">
-                <a16:creationId xmlns:a16="http://schemas.microsoft.com/office/drawing/2014/main" id="{B051121A-E221-F949-A1C8-6800BCB871A0}"/>
-              </a:ext>
-            </a:extLst>
-          </p:cNvPr>
-          <p:cNvSpPr/>
-          <p:nvPr/>
-        </p:nvSpPr>
-        <p:spPr>
-          <a:xfrm>
-            <a:off x="992124" y="-689502"/>
-            <a:ext cx="10163556" cy="8421624"/>
-          </a:xfrm>
-          <a:prstGeom prst="cloud">
-            <a:avLst/>
-          </a:prstGeom>
-          <a:solidFill>
-            <a:schemeClr val="tx1">
-              <a:alpha val="9000"/>
-            </a:schemeClr>
-          </a:solidFill>
-          <a:ln>
-            <a:solidFill>
-              <a:schemeClr val="tx1"/>
-            </a:solidFill>
-          </a:ln>
-        </p:spPr>
-        <p:style>
-          <a:lnRef idx="2">
-            <a:schemeClr val="accent1">
-              <a:shade val="50000"/>
-            </a:schemeClr>
-          </a:lnRef>
-          <a:fillRef idx="1">
-            <a:schemeClr val="accent1"/>
-          </a:fillRef>
-          <a:effectRef idx="0">
-            <a:schemeClr val="accent1"/>
-          </a:effectRef>
-          <a:fontRef idx="minor">
-            <a:schemeClr val="lt1"/>
-          </a:fontRef>
-        </p:style>
-        <p:txBody>
-          <a:bodyPr rtlCol="0" anchor="ctr"/>
-          <a:lstStyle/>
-          <a:p>
-            <a:pPr algn="ctr"/>
-            <a:endParaRPr lang="en-US" dirty="0"/>
-          </a:p>
-        </p:txBody>
-      </p:sp>
       <p:grpSp>
         <p:nvGrpSpPr>
-          <p:cNvPr id="12" name="Group 11">
-            <a:extLst>
-              <a:ext uri="{FF2B5EF4-FFF2-40B4-BE49-F238E27FC236}">
-                <a16:creationId xmlns:a16="http://schemas.microsoft.com/office/drawing/2014/main" id="{C249B050-62B0-8645-BBE5-37736C4FB5C5}"/>
+          <p:cNvPr id="47" name="Group 46">
+            <a:extLst>
+              <a:ext uri="{FF2B5EF4-FFF2-40B4-BE49-F238E27FC236}">
+                <a16:creationId xmlns:a16="http://schemas.microsoft.com/office/drawing/2014/main" id="{41A3E984-67F2-5140-8024-8050785675AF}"/>
               </a:ext>
             </a:extLst>
           </p:cNvPr>
@@ -3390,19 +3334,19 @@
           <p:nvPr/>
         </p:nvGrpSpPr>
         <p:grpSpPr>
-          <a:xfrm rot="10800000">
-            <a:off x="6333716" y="3139102"/>
-            <a:ext cx="2536034" cy="3608534"/>
-            <a:chOff x="3413852" y="221312"/>
-            <a:chExt cx="2536034" cy="3608534"/>
+          <a:xfrm>
+            <a:off x="-1435100" y="-2717800"/>
+            <a:ext cx="15214600" cy="12573000"/>
+            <a:chOff x="-1435100" y="-2717800"/>
+            <a:chExt cx="15214600" cy="12573000"/>
           </a:xfrm>
         </p:grpSpPr>
         <p:sp>
           <p:nvSpPr>
-            <p:cNvPr id="13" name="Trapezoid 12">
+            <p:cNvPr id="17" name="Cloud 16">
               <a:extLst>
                 <a:ext uri="{FF2B5EF4-FFF2-40B4-BE49-F238E27FC236}">
-                  <a16:creationId xmlns:a16="http://schemas.microsoft.com/office/drawing/2014/main" id="{5ED42A8D-5533-4640-B190-41DF2652E1D7}"/>
+                  <a16:creationId xmlns:a16="http://schemas.microsoft.com/office/drawing/2014/main" id="{B051121A-E221-F949-A1C8-6800BCB871A0}"/>
                 </a:ext>
               </a:extLst>
             </p:cNvPr>
@@ -3410,17 +3354,282 @@
             <p:nvPr/>
           </p:nvSpPr>
           <p:spPr>
-            <a:xfrm rot="18420000" flipV="1">
-              <a:off x="3254126" y="1134086"/>
-              <a:ext cx="2886064" cy="2505456"/>
+            <a:xfrm>
+              <a:off x="-1435100" y="-2717800"/>
+              <a:ext cx="15214600" cy="12573000"/>
             </a:xfrm>
-            <a:prstGeom prst="trapezoid">
+            <a:prstGeom prst="cloud">
               <a:avLst/>
             </a:prstGeom>
-            <a:ln w="57150">
+            <a:solidFill>
+              <a:schemeClr val="tx1">
+                <a:alpha val="9000"/>
+              </a:schemeClr>
+            </a:solidFill>
+            <a:ln>
               <a:solidFill>
                 <a:schemeClr val="tx1"/>
               </a:solidFill>
+            </a:ln>
+          </p:spPr>
+          <p:style>
+            <a:lnRef idx="2">
+              <a:schemeClr val="accent1">
+                <a:shade val="50000"/>
+              </a:schemeClr>
+            </a:lnRef>
+            <a:fillRef idx="1">
+              <a:schemeClr val="accent1"/>
+            </a:fillRef>
+            <a:effectRef idx="0">
+              <a:schemeClr val="accent1"/>
+            </a:effectRef>
+            <a:fontRef idx="minor">
+              <a:schemeClr val="lt1"/>
+            </a:fontRef>
+          </p:style>
+          <p:txBody>
+            <a:bodyPr rtlCol="0" anchor="ctr"/>
+            <a:lstStyle/>
+            <a:p>
+              <a:pPr algn="ctr"/>
+              <a:endParaRPr lang="en-US" dirty="0"/>
+            </a:p>
+          </p:txBody>
+        </p:sp>
+        <p:grpSp>
+          <p:nvGrpSpPr>
+            <p:cNvPr id="34" name="Group 33">
+              <a:extLst>
+                <a:ext uri="{FF2B5EF4-FFF2-40B4-BE49-F238E27FC236}">
+                  <a16:creationId xmlns:a16="http://schemas.microsoft.com/office/drawing/2014/main" id="{4B69C138-0896-F14D-B030-B4C7255A0FF2}"/>
+                </a:ext>
+              </a:extLst>
+            </p:cNvPr>
+            <p:cNvGrpSpPr/>
+            <p:nvPr/>
+          </p:nvGrpSpPr>
+          <p:grpSpPr>
+            <a:xfrm rot="10800000">
+              <a:off x="6260860" y="2878195"/>
+              <a:ext cx="3509256" cy="5067965"/>
+              <a:chOff x="2615856" y="-891525"/>
+              <a:chExt cx="3509256" cy="5067965"/>
+            </a:xfrm>
+          </p:grpSpPr>
+          <p:sp>
+            <p:nvSpPr>
+              <p:cNvPr id="35" name="Trapezoid 34">
+                <a:extLst>
+                  <a:ext uri="{FF2B5EF4-FFF2-40B4-BE49-F238E27FC236}">
+                    <a16:creationId xmlns:a16="http://schemas.microsoft.com/office/drawing/2014/main" id="{354D3A24-0200-BA41-8B7E-6242C0B52CA0}"/>
+                  </a:ext>
+                </a:extLst>
+              </p:cNvPr>
+              <p:cNvSpPr/>
+              <p:nvPr/>
+            </p:nvSpPr>
+            <p:spPr>
+              <a:xfrm rot="18420000" flipV="1">
+                <a:off x="2349307" y="400636"/>
+                <a:ext cx="4042353" cy="3509256"/>
+              </a:xfrm>
+              <a:prstGeom prst="trapezoid">
+                <a:avLst/>
+              </a:prstGeom>
+              <a:ln w="66675">
+                <a:solidFill>
+                  <a:schemeClr val="tx1"/>
+                </a:solidFill>
+              </a:ln>
+              <a:effectLst>
+                <a:softEdge rad="50800"/>
+              </a:effectLst>
+            </p:spPr>
+            <p:style>
+              <a:lnRef idx="2">
+                <a:schemeClr val="accent1">
+                  <a:shade val="50000"/>
+                </a:schemeClr>
+              </a:lnRef>
+              <a:fillRef idx="1">
+                <a:schemeClr val="accent1"/>
+              </a:fillRef>
+              <a:effectRef idx="0">
+                <a:schemeClr val="accent1"/>
+              </a:effectRef>
+              <a:fontRef idx="minor">
+                <a:schemeClr val="lt1"/>
+              </a:fontRef>
+            </p:style>
+            <p:txBody>
+              <a:bodyPr rtlCol="0" anchor="ctr"/>
+              <a:lstStyle/>
+              <a:p>
+                <a:pPr algn="ctr"/>
+                <a:endParaRPr lang="en-US"/>
+              </a:p>
+            </p:txBody>
+          </p:sp>
+          <p:sp>
+            <p:nvSpPr>
+              <p:cNvPr id="36" name="Oval 35">
+                <a:extLst>
+                  <a:ext uri="{FF2B5EF4-FFF2-40B4-BE49-F238E27FC236}">
+                    <a16:creationId xmlns:a16="http://schemas.microsoft.com/office/drawing/2014/main" id="{76543B23-8B95-684F-8ABE-42E1C55C5976}"/>
+                  </a:ext>
+                </a:extLst>
+              </p:cNvPr>
+              <p:cNvSpPr/>
+              <p:nvPr/>
+            </p:nvSpPr>
+            <p:spPr>
+              <a:xfrm rot="2220000" flipH="1">
+                <a:off x="2683815" y="-891525"/>
+                <a:ext cx="637341" cy="4019310"/>
+              </a:xfrm>
+              <a:prstGeom prst="ellipse">
+                <a:avLst/>
+              </a:prstGeom>
+              <a:solidFill>
+                <a:schemeClr val="accent1"/>
+              </a:solidFill>
+              <a:ln w="79375">
+                <a:solidFill>
+                  <a:schemeClr val="tx1"/>
+                </a:solidFill>
+              </a:ln>
+              <a:effectLst>
+                <a:softEdge rad="50800"/>
+              </a:effectLst>
+            </p:spPr>
+            <p:style>
+              <a:lnRef idx="2">
+                <a:schemeClr val="accent1">
+                  <a:shade val="50000"/>
+                </a:schemeClr>
+              </a:lnRef>
+              <a:fillRef idx="1">
+                <a:schemeClr val="accent1"/>
+              </a:fillRef>
+              <a:effectRef idx="0">
+                <a:schemeClr val="accent1"/>
+              </a:effectRef>
+              <a:fontRef idx="minor">
+                <a:schemeClr val="lt1"/>
+              </a:fontRef>
+            </p:style>
+            <p:txBody>
+              <a:bodyPr rtlCol="0" anchor="ctr"/>
+              <a:lstStyle/>
+              <a:p>
+                <a:pPr algn="ctr"/>
+                <a:endParaRPr lang="en-US"/>
+              </a:p>
+            </p:txBody>
+          </p:sp>
+        </p:grpSp>
+        <p:sp>
+          <p:nvSpPr>
+            <p:cNvPr id="7" name="5-Point Star 6">
+              <a:extLst>
+                <a:ext uri="{FF2B5EF4-FFF2-40B4-BE49-F238E27FC236}">
+                  <a16:creationId xmlns:a16="http://schemas.microsoft.com/office/drawing/2014/main" id="{5598F663-91E5-5E4E-A160-03463BB523ED}"/>
+                </a:ext>
+              </a:extLst>
+            </p:cNvPr>
+            <p:cNvSpPr/>
+            <p:nvPr/>
+          </p:nvSpPr>
+          <p:spPr>
+            <a:xfrm>
+              <a:off x="5971033" y="3230542"/>
+              <a:ext cx="474133" cy="474133"/>
+            </a:xfrm>
+            <a:prstGeom prst="star5">
+              <a:avLst/>
+            </a:prstGeom>
+            <a:solidFill>
+              <a:srgbClr val="FFFF00"/>
+            </a:solidFill>
+            <a:ln>
+              <a:solidFill>
+                <a:srgbClr val="FFC000"/>
+              </a:solidFill>
+            </a:ln>
+          </p:spPr>
+          <p:style>
+            <a:lnRef idx="2">
+              <a:schemeClr val="accent1">
+                <a:shade val="50000"/>
+              </a:schemeClr>
+            </a:lnRef>
+            <a:fillRef idx="1">
+              <a:schemeClr val="accent1"/>
+            </a:fillRef>
+            <a:effectRef idx="0">
+              <a:schemeClr val="accent1"/>
+            </a:effectRef>
+            <a:fontRef idx="minor">
+              <a:schemeClr val="lt1"/>
+            </a:fontRef>
+          </p:style>
+          <p:txBody>
+            <a:bodyPr rtlCol="0" anchor="ctr"/>
+            <a:lstStyle/>
+            <a:p>
+              <a:pPr algn="ctr"/>
+              <a:endParaRPr lang="en-US"/>
+            </a:p>
+          </p:txBody>
+        </p:sp>
+        <p:sp>
+          <p:nvSpPr>
+            <p:cNvPr id="5" name="Rounded Rectangle 4">
+              <a:extLst>
+                <a:ext uri="{FF2B5EF4-FFF2-40B4-BE49-F238E27FC236}">
+                  <a16:creationId xmlns:a16="http://schemas.microsoft.com/office/drawing/2014/main" id="{FD6CC8DF-BA62-D940-B8F4-286813430C24}"/>
+                </a:ext>
+              </a:extLst>
+            </p:cNvPr>
+            <p:cNvSpPr/>
+            <p:nvPr/>
+          </p:nvSpPr>
+          <p:spPr>
+            <a:xfrm rot="2233661">
+              <a:off x="5610266" y="2250434"/>
+              <a:ext cx="1141623" cy="2524939"/>
+            </a:xfrm>
+            <a:prstGeom prst="roundRect">
+              <a:avLst/>
+            </a:prstGeom>
+            <a:gradFill flip="none" rotWithShape="0">
+              <a:gsLst>
+                <a:gs pos="0">
+                  <a:schemeClr val="accent1">
+                    <a:lumMod val="20000"/>
+                    <a:lumOff val="80000"/>
+                    <a:alpha val="80000"/>
+                  </a:schemeClr>
+                </a:gs>
+                <a:gs pos="28000">
+                  <a:schemeClr val="accent1">
+                    <a:tint val="44500"/>
+                    <a:satMod val="160000"/>
+                    <a:alpha val="60000"/>
+                  </a:schemeClr>
+                </a:gs>
+                <a:gs pos="100000">
+                  <a:schemeClr val="accent1"/>
+                </a:gs>
+              </a:gsLst>
+              <a:path path="circle">
+                <a:fillToRect l="50000" t="50000" r="50000" b="50000"/>
+              </a:path>
+              <a:tileRect/>
+            </a:gradFill>
+            <a:ln>
+              <a:noFill/>
             </a:ln>
             <a:effectLst>
               <a:softEdge rad="50800"/>
@@ -3451,12 +3660,144 @@
             </a:p>
           </p:txBody>
         </p:sp>
+        <p:grpSp>
+          <p:nvGrpSpPr>
+            <p:cNvPr id="33" name="Group 32">
+              <a:extLst>
+                <a:ext uri="{FF2B5EF4-FFF2-40B4-BE49-F238E27FC236}">
+                  <a16:creationId xmlns:a16="http://schemas.microsoft.com/office/drawing/2014/main" id="{482FF76B-D1A0-6740-82A2-E707CCF29645}"/>
+                </a:ext>
+              </a:extLst>
+            </p:cNvPr>
+            <p:cNvGrpSpPr/>
+            <p:nvPr/>
+          </p:nvGrpSpPr>
+          <p:grpSpPr>
+            <a:xfrm>
+              <a:off x="2526313" y="-903763"/>
+              <a:ext cx="3598799" cy="5080203"/>
+              <a:chOff x="2526313" y="-903763"/>
+              <a:chExt cx="3598799" cy="5080203"/>
+            </a:xfrm>
+          </p:grpSpPr>
+          <p:sp>
+            <p:nvSpPr>
+              <p:cNvPr id="8" name="Trapezoid 7">
+                <a:extLst>
+                  <a:ext uri="{FF2B5EF4-FFF2-40B4-BE49-F238E27FC236}">
+                    <a16:creationId xmlns:a16="http://schemas.microsoft.com/office/drawing/2014/main" id="{D7E3AA4E-0346-D64D-A503-454D72DA15CE}"/>
+                  </a:ext>
+                </a:extLst>
+              </p:cNvPr>
+              <p:cNvSpPr/>
+              <p:nvPr/>
+            </p:nvSpPr>
+            <p:spPr>
+              <a:xfrm rot="18420000" flipV="1">
+                <a:off x="2349307" y="400636"/>
+                <a:ext cx="4042353" cy="3509256"/>
+              </a:xfrm>
+              <a:prstGeom prst="trapezoid">
+                <a:avLst/>
+              </a:prstGeom>
+              <a:ln w="66675">
+                <a:solidFill>
+                  <a:schemeClr val="tx1"/>
+                </a:solidFill>
+              </a:ln>
+              <a:effectLst>
+                <a:softEdge rad="50800"/>
+              </a:effectLst>
+            </p:spPr>
+            <p:style>
+              <a:lnRef idx="2">
+                <a:schemeClr val="accent1">
+                  <a:shade val="50000"/>
+                </a:schemeClr>
+              </a:lnRef>
+              <a:fillRef idx="1">
+                <a:schemeClr val="accent1"/>
+              </a:fillRef>
+              <a:effectRef idx="0">
+                <a:schemeClr val="accent1"/>
+              </a:effectRef>
+              <a:fontRef idx="minor">
+                <a:schemeClr val="lt1"/>
+              </a:fontRef>
+            </p:style>
+            <p:txBody>
+              <a:bodyPr rtlCol="0" anchor="ctr"/>
+              <a:lstStyle/>
+              <a:p>
+                <a:pPr algn="ctr"/>
+                <a:endParaRPr lang="en-US"/>
+              </a:p>
+            </p:txBody>
+          </p:sp>
+          <p:sp>
+            <p:nvSpPr>
+              <p:cNvPr id="10" name="Oval 9">
+                <a:extLst>
+                  <a:ext uri="{FF2B5EF4-FFF2-40B4-BE49-F238E27FC236}">
+                    <a16:creationId xmlns:a16="http://schemas.microsoft.com/office/drawing/2014/main" id="{58CCCE7E-A269-A441-8BBC-48EC12BF46AA}"/>
+                  </a:ext>
+                </a:extLst>
+              </p:cNvPr>
+              <p:cNvSpPr/>
+              <p:nvPr/>
+            </p:nvSpPr>
+            <p:spPr>
+              <a:xfrm rot="2220000">
+                <a:off x="2526313" y="-903763"/>
+                <a:ext cx="904374" cy="4019310"/>
+              </a:xfrm>
+              <a:prstGeom prst="ellipse">
+                <a:avLst/>
+              </a:prstGeom>
+              <a:solidFill>
+                <a:schemeClr val="accent1"/>
+              </a:solidFill>
+              <a:ln w="66675">
+                <a:solidFill>
+                  <a:schemeClr val="tx1"/>
+                </a:solidFill>
+              </a:ln>
+              <a:effectLst>
+                <a:softEdge rad="50800"/>
+              </a:effectLst>
+            </p:spPr>
+            <p:style>
+              <a:lnRef idx="2">
+                <a:schemeClr val="accent1">
+                  <a:shade val="50000"/>
+                </a:schemeClr>
+              </a:lnRef>
+              <a:fillRef idx="1">
+                <a:schemeClr val="accent1"/>
+              </a:fillRef>
+              <a:effectRef idx="0">
+                <a:schemeClr val="accent1"/>
+              </a:effectRef>
+              <a:fontRef idx="minor">
+                <a:schemeClr val="lt1"/>
+              </a:fontRef>
+            </p:style>
+            <p:txBody>
+              <a:bodyPr rtlCol="0" anchor="ctr"/>
+              <a:lstStyle/>
+              <a:p>
+                <a:pPr algn="ctr"/>
+                <a:endParaRPr lang="en-US"/>
+              </a:p>
+            </p:txBody>
+          </p:sp>
+        </p:grpSp>
         <p:sp>
           <p:nvSpPr>
-            <p:cNvPr id="14" name="Oval 13">
+            <p:cNvPr id="15" name="Arc 14">
               <a:extLst>
                 <a:ext uri="{FF2B5EF4-FFF2-40B4-BE49-F238E27FC236}">
-                  <a16:creationId xmlns:a16="http://schemas.microsoft.com/office/drawing/2014/main" id="{FCF50BBE-FB7E-924A-9D67-8737A52DDD6A}"/>
+                  <a16:creationId xmlns:a16="http://schemas.microsoft.com/office/drawing/2014/main" id="{7D3DC210-1BA0-1245-BD5B-DF2FBABB7D3B}"/>
                 </a:ext>
               </a:extLst>
             </p:cNvPr>
@@ -3464,23 +3805,97 @@
             <p:nvPr/>
           </p:nvSpPr>
           <p:spPr>
-            <a:xfrm rot="2220000">
-              <a:off x="3413852" y="221312"/>
-              <a:ext cx="612721" cy="2861459"/>
+            <a:xfrm rot="12976303">
+              <a:off x="5456612" y="3821407"/>
+              <a:ext cx="211293" cy="1093951"/>
             </a:xfrm>
-            <a:prstGeom prst="ellipse">
-              <a:avLst/>
+            <a:prstGeom prst="arc">
+              <a:avLst>
+                <a:gd name="adj1" fmla="val 7641511"/>
+                <a:gd name="adj2" fmla="val 17554667"/>
+              </a:avLst>
             </a:prstGeom>
-            <a:solidFill>
-              <a:schemeClr val="accent1"/>
-            </a:solidFill>
-            <a:ln w="57150">
+            <a:ln w="22225">
               <a:solidFill>
                 <a:schemeClr val="tx1"/>
               </a:solidFill>
+              <a:headEnd type="stealth" w="lg" len="lg"/>
+              <a:tailEnd type="none"/>
+            </a:ln>
+          </p:spPr>
+          <p:style>
+            <a:lnRef idx="1">
+              <a:schemeClr val="accent1"/>
+            </a:lnRef>
+            <a:fillRef idx="0">
+              <a:schemeClr val="accent1"/>
+            </a:fillRef>
+            <a:effectRef idx="0">
+              <a:schemeClr val="accent1"/>
+            </a:effectRef>
+            <a:fontRef idx="minor">
+              <a:schemeClr val="tx1"/>
+            </a:fontRef>
+          </p:style>
+          <p:txBody>
+            <a:bodyPr rtlCol="0" anchor="ctr"/>
+            <a:lstStyle/>
+            <a:p>
+              <a:pPr algn="ctr"/>
+              <a:endParaRPr lang="en-US"/>
+            </a:p>
+          </p:txBody>
+        </p:sp>
+        <p:sp>
+          <p:nvSpPr>
+            <p:cNvPr id="16" name="Rounded Rectangle 15">
+              <a:extLst>
+                <a:ext uri="{FF2B5EF4-FFF2-40B4-BE49-F238E27FC236}">
+                  <a16:creationId xmlns:a16="http://schemas.microsoft.com/office/drawing/2014/main" id="{64C44F73-63E8-2B40-BD19-4607D81A2E2B}"/>
+                </a:ext>
+              </a:extLst>
+            </p:cNvPr>
+            <p:cNvSpPr/>
+            <p:nvPr/>
+          </p:nvSpPr>
+          <p:spPr>
+            <a:xfrm rot="2233661">
+              <a:off x="5610264" y="2258841"/>
+              <a:ext cx="1141623" cy="2524939"/>
+            </a:xfrm>
+            <a:prstGeom prst="roundRect">
+              <a:avLst/>
+            </a:prstGeom>
+            <a:gradFill flip="none" rotWithShape="1">
+              <a:gsLst>
+                <a:gs pos="69000">
+                  <a:schemeClr val="accent1">
+                    <a:alpha val="0"/>
+                    <a:lumMod val="0"/>
+                    <a:lumOff val="100000"/>
+                  </a:schemeClr>
+                </a:gs>
+                <a:gs pos="100000">
+                  <a:srgbClr val="FF0000">
+                    <a:alpha val="60000"/>
+                  </a:srgbClr>
+                </a:gs>
+              </a:gsLst>
+              <a:path path="rect">
+                <a:fillToRect l="50000" t="50000" r="50000" b="50000"/>
+              </a:path>
+              <a:tileRect/>
+            </a:gradFill>
+            <a:ln>
+              <a:noFill/>
             </a:ln>
             <a:effectLst>
-              <a:softEdge rad="50800"/>
+              <a:glow rad="63500">
+                <a:srgbClr val="FF0000">
+                  <a:alpha val="1000"/>
+                </a:srgbClr>
+              </a:glow>
+              <a:softEdge rad="38100"/>
             </a:effectLst>
           </p:spPr>
           <p:style>
@@ -3504,168 +3919,367 @@
             <a:lstStyle/>
             <a:p>
               <a:pPr algn="ctr"/>
-              <a:endParaRPr lang="en-US"/>
+              <a:endParaRPr lang="en-US" dirty="0"/>
             </a:p>
           </p:txBody>
         </p:sp>
-      </p:grpSp>
-      <p:sp>
-        <p:nvSpPr>
-          <p:cNvPr id="7" name="5-Point Star 6">
-            <a:extLst>
-              <a:ext uri="{FF2B5EF4-FFF2-40B4-BE49-F238E27FC236}">
-                <a16:creationId xmlns:a16="http://schemas.microsoft.com/office/drawing/2014/main" id="{5598F663-91E5-5E4E-A160-03463BB523ED}"/>
-              </a:ext>
-            </a:extLst>
-          </p:cNvPr>
-          <p:cNvSpPr/>
-          <p:nvPr/>
-        </p:nvSpPr>
-        <p:spPr>
-          <a:xfrm>
-            <a:off x="5971033" y="3230542"/>
-            <a:ext cx="474133" cy="474133"/>
-          </a:xfrm>
-          <a:prstGeom prst="star5">
-            <a:avLst/>
-          </a:prstGeom>
-          <a:solidFill>
-            <a:srgbClr val="FFFF00"/>
-          </a:solidFill>
-          <a:ln>
-            <a:solidFill>
-              <a:srgbClr val="FFC000"/>
-            </a:solidFill>
-          </a:ln>
-        </p:spPr>
-        <p:style>
-          <a:lnRef idx="2">
-            <a:schemeClr val="accent1">
-              <a:shade val="50000"/>
-            </a:schemeClr>
-          </a:lnRef>
-          <a:fillRef idx="1">
-            <a:schemeClr val="accent1"/>
-          </a:fillRef>
-          <a:effectRef idx="0">
-            <a:schemeClr val="accent1"/>
-          </a:effectRef>
-          <a:fontRef idx="minor">
-            <a:schemeClr val="lt1"/>
-          </a:fontRef>
-        </p:style>
-        <p:txBody>
-          <a:bodyPr rtlCol="0" anchor="ctr"/>
-          <a:lstStyle/>
-          <a:p>
-            <a:pPr algn="ctr"/>
-            <a:endParaRPr lang="en-US"/>
-          </a:p>
-        </p:txBody>
-      </p:sp>
-      <p:sp>
-        <p:nvSpPr>
-          <p:cNvPr id="5" name="Rounded Rectangle 4">
-            <a:extLst>
-              <a:ext uri="{FF2B5EF4-FFF2-40B4-BE49-F238E27FC236}">
-                <a16:creationId xmlns:a16="http://schemas.microsoft.com/office/drawing/2014/main" id="{FD6CC8DF-BA62-D940-B8F4-286813430C24}"/>
-              </a:ext>
-            </a:extLst>
-          </p:cNvPr>
-          <p:cNvSpPr/>
-          <p:nvPr/>
-        </p:nvSpPr>
-        <p:spPr>
-          <a:xfrm rot="2233661">
-            <a:off x="5610266" y="2250434"/>
-            <a:ext cx="1141623" cy="2524939"/>
-          </a:xfrm>
-          <a:prstGeom prst="roundRect">
-            <a:avLst/>
-          </a:prstGeom>
-          <a:gradFill flip="none" rotWithShape="0">
-            <a:gsLst>
-              <a:gs pos="0">
-                <a:schemeClr val="accent1">
-                  <a:lumMod val="20000"/>
-                  <a:lumOff val="80000"/>
-                  <a:alpha val="80000"/>
-                </a:schemeClr>
-              </a:gs>
-              <a:gs pos="28000">
-                <a:schemeClr val="accent1">
-                  <a:tint val="44500"/>
-                  <a:satMod val="160000"/>
-                  <a:alpha val="60000"/>
-                </a:schemeClr>
-              </a:gs>
-              <a:gs pos="100000">
-                <a:schemeClr val="accent1"/>
-              </a:gs>
-            </a:gsLst>
-            <a:path path="circle">
-              <a:fillToRect l="50000" t="50000" r="50000" b="50000"/>
-            </a:path>
-            <a:tileRect/>
-          </a:gradFill>
-          <a:ln>
-            <a:noFill/>
-          </a:ln>
-          <a:effectLst>
-            <a:softEdge rad="50800"/>
-          </a:effectLst>
-        </p:spPr>
-        <p:style>
-          <a:lnRef idx="2">
-            <a:schemeClr val="accent1">
-              <a:shade val="50000"/>
-            </a:schemeClr>
-          </a:lnRef>
-          <a:fillRef idx="1">
-            <a:schemeClr val="accent1"/>
-          </a:fillRef>
-          <a:effectRef idx="0">
-            <a:schemeClr val="accent1"/>
-          </a:effectRef>
-          <a:fontRef idx="minor">
-            <a:schemeClr val="lt1"/>
-          </a:fontRef>
-        </p:style>
-        <p:txBody>
-          <a:bodyPr rtlCol="0" anchor="ctr"/>
-          <a:lstStyle/>
-          <a:p>
-            <a:pPr algn="ctr"/>
-            <a:endParaRPr lang="en-US" dirty="0"/>
-          </a:p>
-        </p:txBody>
-      </p:sp>
-      <p:grpSp>
-        <p:nvGrpSpPr>
-          <p:cNvPr id="11" name="Group 10">
-            <a:extLst>
-              <a:ext uri="{FF2B5EF4-FFF2-40B4-BE49-F238E27FC236}">
-                <a16:creationId xmlns:a16="http://schemas.microsoft.com/office/drawing/2014/main" id="{E7EED9A0-B475-5245-9023-789C002923DC}"/>
-              </a:ext>
-            </a:extLst>
-          </p:cNvPr>
-          <p:cNvGrpSpPr/>
-          <p:nvPr/>
-        </p:nvGrpSpPr>
-        <p:grpSpPr>
-          <a:xfrm>
-            <a:off x="3471902" y="303214"/>
-            <a:ext cx="2536034" cy="3608534"/>
-            <a:chOff x="3413852" y="221312"/>
-            <a:chExt cx="2536034" cy="3608534"/>
-          </a:xfrm>
-        </p:grpSpPr>
         <p:sp>
           <p:nvSpPr>
-            <p:cNvPr id="8" name="Trapezoid 7">
+            <p:cNvPr id="18" name="TextBox 17">
               <a:extLst>
                 <a:ext uri="{FF2B5EF4-FFF2-40B4-BE49-F238E27FC236}">
-                  <a16:creationId xmlns:a16="http://schemas.microsoft.com/office/drawing/2014/main" id="{D7E3AA4E-0346-D64D-A503-454D72DA15CE}"/>
+                  <a16:creationId xmlns:a16="http://schemas.microsoft.com/office/drawing/2014/main" id="{75B6C4CE-49FA-9044-80B6-E40DB0EAFE76}"/>
+                </a:ext>
+              </a:extLst>
+            </p:cNvPr>
+            <p:cNvSpPr txBox="1"/>
+            <p:nvPr/>
+          </p:nvSpPr>
+          <p:spPr>
+            <a:xfrm rot="2220000">
+              <a:off x="3570657" y="1959290"/>
+              <a:ext cx="2045175" cy="769441"/>
+            </a:xfrm>
+            <a:prstGeom prst="rect">
+              <a:avLst/>
+            </a:prstGeom>
+            <a:noFill/>
+          </p:spPr>
+          <p:txBody>
+            <a:bodyPr wrap="none" rtlCol="0">
+              <a:spAutoFit/>
+            </a:bodyPr>
+            <a:lstStyle/>
+            <a:p>
+              <a:r>
+                <a:rPr lang="en-US" sz="4400" dirty="0"/>
+                <a:t>Outflow</a:t>
+              </a:r>
+            </a:p>
+          </p:txBody>
+        </p:sp>
+        <p:sp>
+          <p:nvSpPr>
+            <p:cNvPr id="19" name="TextBox 18">
+              <a:extLst>
+                <a:ext uri="{FF2B5EF4-FFF2-40B4-BE49-F238E27FC236}">
+                  <a16:creationId xmlns:a16="http://schemas.microsoft.com/office/drawing/2014/main" id="{D28AB546-85C8-B645-BA99-D83DD87AF1E2}"/>
+                </a:ext>
+              </a:extLst>
+            </p:cNvPr>
+            <p:cNvSpPr txBox="1"/>
+            <p:nvPr/>
+          </p:nvSpPr>
+          <p:spPr>
+            <a:xfrm rot="2220000">
+              <a:off x="6621083" y="4242614"/>
+              <a:ext cx="2045175" cy="769441"/>
+            </a:xfrm>
+            <a:prstGeom prst="rect">
+              <a:avLst/>
+            </a:prstGeom>
+            <a:noFill/>
+          </p:spPr>
+          <p:txBody>
+            <a:bodyPr wrap="none" rtlCol="0">
+              <a:spAutoFit/>
+            </a:bodyPr>
+            <a:lstStyle/>
+            <a:p>
+              <a:r>
+                <a:rPr lang="en-US" sz="4400" dirty="0"/>
+                <a:t>Outflow</a:t>
+              </a:r>
+            </a:p>
+          </p:txBody>
+        </p:sp>
+        <p:sp>
+          <p:nvSpPr>
+            <p:cNvPr id="20" name="TextBox 19">
+              <a:extLst>
+                <a:ext uri="{FF2B5EF4-FFF2-40B4-BE49-F238E27FC236}">
+                  <a16:creationId xmlns:a16="http://schemas.microsoft.com/office/drawing/2014/main" id="{B0E26A1D-E1BC-C84D-96BB-54E4FA84B658}"/>
+                </a:ext>
+              </a:extLst>
+            </p:cNvPr>
+            <p:cNvSpPr txBox="1"/>
+            <p:nvPr/>
+          </p:nvSpPr>
+          <p:spPr>
+            <a:xfrm>
+              <a:off x="8727168" y="-1049174"/>
+              <a:ext cx="2503186" cy="769441"/>
+            </a:xfrm>
+            <a:prstGeom prst="rect">
+              <a:avLst/>
+            </a:prstGeom>
+            <a:noFill/>
+          </p:spPr>
+          <p:txBody>
+            <a:bodyPr wrap="none" rtlCol="0">
+              <a:spAutoFit/>
+            </a:bodyPr>
+            <a:lstStyle/>
+            <a:p>
+              <a:r>
+                <a:rPr lang="en-US" sz="4400" dirty="0"/>
+                <a:t>‘Hot Core’</a:t>
+              </a:r>
+            </a:p>
+          </p:txBody>
+        </p:sp>
+        <p:sp>
+          <p:nvSpPr>
+            <p:cNvPr id="21" name="TextBox 20">
+              <a:extLst>
+                <a:ext uri="{FF2B5EF4-FFF2-40B4-BE49-F238E27FC236}">
+                  <a16:creationId xmlns:a16="http://schemas.microsoft.com/office/drawing/2014/main" id="{CEC517E9-1D99-C340-84C1-2E17E06F4DDC}"/>
+                </a:ext>
+              </a:extLst>
+            </p:cNvPr>
+            <p:cNvSpPr txBox="1"/>
+            <p:nvPr/>
+          </p:nvSpPr>
+          <p:spPr>
+            <a:xfrm>
+              <a:off x="6290990" y="781223"/>
+              <a:ext cx="3741730" cy="769441"/>
+            </a:xfrm>
+            <a:prstGeom prst="rect">
+              <a:avLst/>
+            </a:prstGeom>
+            <a:noFill/>
+          </p:spPr>
+          <p:txBody>
+            <a:bodyPr wrap="none" rtlCol="0">
+              <a:spAutoFit/>
+            </a:bodyPr>
+            <a:lstStyle/>
+            <a:p>
+              <a:r>
+                <a:rPr lang="en-US" sz="4400" dirty="0"/>
+                <a:t>Embedded Disk</a:t>
+              </a:r>
+            </a:p>
+          </p:txBody>
+        </p:sp>
+        <p:cxnSp>
+          <p:nvCxnSpPr>
+            <p:cNvPr id="23" name="Straight Arrow Connector 22">
+              <a:extLst>
+                <a:ext uri="{FF2B5EF4-FFF2-40B4-BE49-F238E27FC236}">
+                  <a16:creationId xmlns:a16="http://schemas.microsoft.com/office/drawing/2014/main" id="{0DA26E59-6602-D34E-ADAE-31078305F217}"/>
+                </a:ext>
+              </a:extLst>
+            </p:cNvPr>
+            <p:cNvCxnSpPr>
+              <a:cxnSpLocks/>
+            </p:cNvCxnSpPr>
+            <p:nvPr/>
+          </p:nvCxnSpPr>
+          <p:spPr>
+            <a:xfrm flipH="1">
+              <a:off x="6445167" y="1468209"/>
+              <a:ext cx="631339" cy="1423019"/>
+            </a:xfrm>
+            <a:prstGeom prst="straightConnector1">
+              <a:avLst/>
+            </a:prstGeom>
+            <a:ln w="34925">
+              <a:solidFill>
+                <a:schemeClr val="tx1"/>
+              </a:solidFill>
+              <a:tailEnd type="triangle"/>
+            </a:ln>
+          </p:spPr>
+          <p:style>
+            <a:lnRef idx="1">
+              <a:schemeClr val="accent1"/>
+            </a:lnRef>
+            <a:fillRef idx="0">
+              <a:schemeClr val="accent1"/>
+            </a:fillRef>
+            <a:effectRef idx="0">
+              <a:schemeClr val="accent1"/>
+            </a:effectRef>
+            <a:fontRef idx="minor">
+              <a:schemeClr val="tx1"/>
+            </a:fontRef>
+          </p:style>
+        </p:cxnSp>
+        <p:sp>
+          <p:nvSpPr>
+            <p:cNvPr id="24" name="TextBox 23">
+              <a:extLst>
+                <a:ext uri="{FF2B5EF4-FFF2-40B4-BE49-F238E27FC236}">
+                  <a16:creationId xmlns:a16="http://schemas.microsoft.com/office/drawing/2014/main" id="{EF960EB0-3FF9-7D45-A30D-092FEC49369F}"/>
+                </a:ext>
+              </a:extLst>
+            </p:cNvPr>
+            <p:cNvSpPr txBox="1"/>
+            <p:nvPr/>
+          </p:nvSpPr>
+          <p:spPr>
+            <a:xfrm>
+              <a:off x="8401737" y="2156457"/>
+              <a:ext cx="2932598" cy="769441"/>
+            </a:xfrm>
+            <a:prstGeom prst="rect">
+              <a:avLst/>
+            </a:prstGeom>
+            <a:noFill/>
+          </p:spPr>
+          <p:txBody>
+            <a:bodyPr wrap="none" rtlCol="0">
+              <a:spAutoFit/>
+            </a:bodyPr>
+            <a:lstStyle/>
+            <a:p>
+              <a:r>
+                <a:rPr lang="en-US" sz="4400" dirty="0">
+                  <a:solidFill>
+                    <a:srgbClr val="FF0000"/>
+                  </a:solidFill>
+                </a:rPr>
+                <a:t>Salted Crust</a:t>
+              </a:r>
+            </a:p>
+          </p:txBody>
+        </p:sp>
+        <p:cxnSp>
+          <p:nvCxnSpPr>
+            <p:cNvPr id="25" name="Straight Arrow Connector 24">
+              <a:extLst>
+                <a:ext uri="{FF2B5EF4-FFF2-40B4-BE49-F238E27FC236}">
+                  <a16:creationId xmlns:a16="http://schemas.microsoft.com/office/drawing/2014/main" id="{81BA0C61-2DE1-2C45-91CF-30F0ECDCC720}"/>
+                </a:ext>
+              </a:extLst>
+            </p:cNvPr>
+            <p:cNvCxnSpPr>
+              <a:cxnSpLocks/>
+              <a:stCxn id="24" idx="1"/>
+            </p:cNvCxnSpPr>
+            <p:nvPr/>
+          </p:nvCxnSpPr>
+          <p:spPr>
+            <a:xfrm flipH="1">
+              <a:off x="7266395" y="2541178"/>
+              <a:ext cx="1135342" cy="270808"/>
+            </a:xfrm>
+            <a:prstGeom prst="straightConnector1">
+              <a:avLst/>
+            </a:prstGeom>
+            <a:ln w="34925">
+              <a:solidFill>
+                <a:srgbClr val="FF0000"/>
+              </a:solidFill>
+              <a:tailEnd type="triangle"/>
+            </a:ln>
+          </p:spPr>
+          <p:style>
+            <a:lnRef idx="1">
+              <a:schemeClr val="accent1"/>
+            </a:lnRef>
+            <a:fillRef idx="0">
+              <a:schemeClr val="accent1"/>
+            </a:fillRef>
+            <a:effectRef idx="0">
+              <a:schemeClr val="accent1"/>
+            </a:effectRef>
+            <a:fontRef idx="minor">
+              <a:schemeClr val="tx1"/>
+            </a:fontRef>
+          </p:style>
+        </p:cxnSp>
+        <p:cxnSp>
+          <p:nvCxnSpPr>
+            <p:cNvPr id="27" name="Straight Arrow Connector 26">
+              <a:extLst>
+                <a:ext uri="{FF2B5EF4-FFF2-40B4-BE49-F238E27FC236}">
+                  <a16:creationId xmlns:a16="http://schemas.microsoft.com/office/drawing/2014/main" id="{E437B53C-251A-5A41-A1C0-560180F93DC9}"/>
+                </a:ext>
+              </a:extLst>
+            </p:cNvPr>
+            <p:cNvCxnSpPr>
+              <a:cxnSpLocks/>
+            </p:cNvCxnSpPr>
+            <p:nvPr/>
+          </p:nvCxnSpPr>
+          <p:spPr>
+            <a:xfrm flipV="1">
+              <a:off x="4562997" y="3565962"/>
+              <a:ext cx="1507180" cy="692121"/>
+            </a:xfrm>
+            <a:prstGeom prst="straightConnector1">
+              <a:avLst/>
+            </a:prstGeom>
+            <a:ln w="34925">
+              <a:solidFill>
+                <a:schemeClr val="tx1"/>
+              </a:solidFill>
+              <a:tailEnd type="triangle"/>
+            </a:ln>
+          </p:spPr>
+          <p:style>
+            <a:lnRef idx="1">
+              <a:schemeClr val="accent1"/>
+            </a:lnRef>
+            <a:fillRef idx="0">
+              <a:schemeClr val="accent1"/>
+            </a:fillRef>
+            <a:effectRef idx="0">
+              <a:schemeClr val="accent1"/>
+            </a:effectRef>
+            <a:fontRef idx="minor">
+              <a:schemeClr val="tx1"/>
+            </a:fontRef>
+          </p:style>
+        </p:cxnSp>
+        <p:sp>
+          <p:nvSpPr>
+            <p:cNvPr id="31" name="TextBox 30">
+              <a:extLst>
+                <a:ext uri="{FF2B5EF4-FFF2-40B4-BE49-F238E27FC236}">
+                  <a16:creationId xmlns:a16="http://schemas.microsoft.com/office/drawing/2014/main" id="{40343BCE-4AE4-6240-9309-50896C2928F2}"/>
+                </a:ext>
+              </a:extLst>
+            </p:cNvPr>
+            <p:cNvSpPr txBox="1"/>
+            <p:nvPr/>
+          </p:nvSpPr>
+          <p:spPr>
+            <a:xfrm>
+              <a:off x="3340549" y="4055352"/>
+              <a:ext cx="1143005" cy="769441"/>
+            </a:xfrm>
+            <a:prstGeom prst="rect">
+              <a:avLst/>
+            </a:prstGeom>
+            <a:noFill/>
+          </p:spPr>
+          <p:txBody>
+            <a:bodyPr wrap="none" rtlCol="0">
+              <a:spAutoFit/>
+            </a:bodyPr>
+            <a:lstStyle/>
+            <a:p>
+              <a:r>
+                <a:rPr lang="en-US" sz="4400" dirty="0" err="1"/>
+                <a:t>Src</a:t>
+              </a:r>
+              <a:r>
+                <a:rPr lang="en-US" sz="4400" dirty="0"/>
+                <a:t> I</a:t>
+              </a:r>
+            </a:p>
+          </p:txBody>
+        </p:sp>
+        <p:sp>
+          <p:nvSpPr>
+            <p:cNvPr id="38" name="Rectangle 37">
+              <a:extLst>
+                <a:ext uri="{FF2B5EF4-FFF2-40B4-BE49-F238E27FC236}">
+                  <a16:creationId xmlns:a16="http://schemas.microsoft.com/office/drawing/2014/main" id="{80653383-74AD-0B4D-BE59-5DB03614DBFF}"/>
                 </a:ext>
               </a:extLst>
             </p:cNvPr>
@@ -3673,21 +4287,16 @@
             <p:nvPr/>
           </p:nvSpPr>
           <p:spPr>
-            <a:xfrm rot="18420000" flipV="1">
-              <a:off x="3254126" y="1134086"/>
-              <a:ext cx="2886064" cy="2505456"/>
+            <a:xfrm rot="1630416">
+              <a:off x="10134587" y="4256600"/>
+              <a:ext cx="189981" cy="1136387"/>
             </a:xfrm>
-            <a:prstGeom prst="trapezoid">
+            <a:prstGeom prst="rect">
               <a:avLst/>
             </a:prstGeom>
-            <a:ln w="57150">
-              <a:solidFill>
-                <a:schemeClr val="tx1"/>
-              </a:solidFill>
+            <a:ln>
+              <a:noFill/>
             </a:ln>
-            <a:effectLst>
-              <a:softEdge rad="50800"/>
-            </a:effectLst>
           </p:spPr>
           <p:style>
             <a:lnRef idx="2">
@@ -3710,16 +4319,16 @@
             <a:lstStyle/>
             <a:p>
               <a:pPr algn="ctr"/>
-              <a:endParaRPr lang="en-US"/>
+              <a:endParaRPr lang="en-US" dirty="0"/>
             </a:p>
           </p:txBody>
         </p:sp>
         <p:sp>
           <p:nvSpPr>
-            <p:cNvPr id="10" name="Oval 9">
+            <p:cNvPr id="39" name="Rectangle 38">
               <a:extLst>
                 <a:ext uri="{FF2B5EF4-FFF2-40B4-BE49-F238E27FC236}">
-                  <a16:creationId xmlns:a16="http://schemas.microsoft.com/office/drawing/2014/main" id="{58CCCE7E-A269-A441-8BBC-48EC12BF46AA}"/>
+                  <a16:creationId xmlns:a16="http://schemas.microsoft.com/office/drawing/2014/main" id="{E31C963C-D96F-8A44-97FF-9083A350F9DC}"/>
                 </a:ext>
               </a:extLst>
             </p:cNvPr>
@@ -3727,24 +4336,16 @@
             <p:nvPr/>
           </p:nvSpPr>
           <p:spPr>
-            <a:xfrm rot="2220000">
-              <a:off x="3413852" y="221312"/>
-              <a:ext cx="612721" cy="2861459"/>
+            <a:xfrm rot="1630416">
+              <a:off x="9937730" y="4295267"/>
+              <a:ext cx="189981" cy="1136387"/>
             </a:xfrm>
-            <a:prstGeom prst="ellipse">
+            <a:prstGeom prst="rect">
               <a:avLst/>
             </a:prstGeom>
-            <a:solidFill>
-              <a:schemeClr val="accent1"/>
-            </a:solidFill>
-            <a:ln w="57150">
-              <a:solidFill>
-                <a:schemeClr val="tx1"/>
-              </a:solidFill>
+            <a:ln>
+              <a:noFill/>
             </a:ln>
-            <a:effectLst>
-              <a:softEdge rad="50800"/>
-            </a:effectLst>
           </p:spPr>
           <p:style>
             <a:lnRef idx="2">
@@ -3767,491 +4368,179 @@
             <a:lstStyle/>
             <a:p>
               <a:pPr algn="ctr"/>
-              <a:endParaRPr lang="en-US"/>
+              <a:endParaRPr lang="en-US" dirty="0"/>
             </a:p>
           </p:txBody>
         </p:sp>
+        <p:grpSp>
+          <p:nvGrpSpPr>
+            <p:cNvPr id="43" name="Group 42">
+              <a:extLst>
+                <a:ext uri="{FF2B5EF4-FFF2-40B4-BE49-F238E27FC236}">
+                  <a16:creationId xmlns:a16="http://schemas.microsoft.com/office/drawing/2014/main" id="{3AD618F7-824A-2F43-BD25-1E4D7B1B3CF8}"/>
+                </a:ext>
+              </a:extLst>
+            </p:cNvPr>
+            <p:cNvGrpSpPr/>
+            <p:nvPr/>
+          </p:nvGrpSpPr>
+          <p:grpSpPr>
+            <a:xfrm>
+              <a:off x="8027464" y="4392790"/>
+              <a:ext cx="1921700" cy="3103995"/>
+              <a:chOff x="8027464" y="4392790"/>
+              <a:chExt cx="1921700" cy="3103995"/>
+            </a:xfrm>
+          </p:grpSpPr>
+          <p:sp>
+            <p:nvSpPr>
+              <p:cNvPr id="40" name="Rectangle 39">
+                <a:extLst>
+                  <a:ext uri="{FF2B5EF4-FFF2-40B4-BE49-F238E27FC236}">
+                    <a16:creationId xmlns:a16="http://schemas.microsoft.com/office/drawing/2014/main" id="{BDC8AB78-FE44-A34D-9BF2-D1C7C0FB9934}"/>
+                  </a:ext>
+                </a:extLst>
+              </p:cNvPr>
+              <p:cNvSpPr/>
+              <p:nvPr/>
+            </p:nvSpPr>
+            <p:spPr>
+              <a:xfrm rot="1630416">
+                <a:off x="9759183" y="4392790"/>
+                <a:ext cx="189981" cy="1136387"/>
+              </a:xfrm>
+              <a:prstGeom prst="rect">
+                <a:avLst/>
+              </a:prstGeom>
+              <a:ln>
+                <a:noFill/>
+              </a:ln>
+            </p:spPr>
+            <p:style>
+              <a:lnRef idx="2">
+                <a:schemeClr val="accent1">
+                  <a:shade val="50000"/>
+                </a:schemeClr>
+              </a:lnRef>
+              <a:fillRef idx="1">
+                <a:schemeClr val="accent1"/>
+              </a:fillRef>
+              <a:effectRef idx="0">
+                <a:schemeClr val="accent1"/>
+              </a:effectRef>
+              <a:fontRef idx="minor">
+                <a:schemeClr val="lt1"/>
+              </a:fontRef>
+            </p:style>
+            <p:txBody>
+              <a:bodyPr rtlCol="0" anchor="ctr"/>
+              <a:lstStyle/>
+              <a:p>
+                <a:pPr algn="ctr"/>
+                <a:endParaRPr lang="en-US" dirty="0"/>
+              </a:p>
+            </p:txBody>
+          </p:sp>
+          <p:sp>
+            <p:nvSpPr>
+              <p:cNvPr id="41" name="Rectangle 40">
+                <a:extLst>
+                  <a:ext uri="{FF2B5EF4-FFF2-40B4-BE49-F238E27FC236}">
+                    <a16:creationId xmlns:a16="http://schemas.microsoft.com/office/drawing/2014/main" id="{67675531-4560-C34F-8395-E061FA8019E9}"/>
+                  </a:ext>
+                </a:extLst>
+              </p:cNvPr>
+              <p:cNvSpPr/>
+              <p:nvPr/>
+            </p:nvSpPr>
+            <p:spPr>
+              <a:xfrm rot="2033615">
+                <a:off x="8952204" y="4438545"/>
+                <a:ext cx="189981" cy="3058240"/>
+              </a:xfrm>
+              <a:prstGeom prst="rect">
+                <a:avLst/>
+              </a:prstGeom>
+              <a:ln>
+                <a:noFill/>
+              </a:ln>
+            </p:spPr>
+            <p:style>
+              <a:lnRef idx="2">
+                <a:schemeClr val="accent1">
+                  <a:shade val="50000"/>
+                </a:schemeClr>
+              </a:lnRef>
+              <a:fillRef idx="1">
+                <a:schemeClr val="accent1"/>
+              </a:fillRef>
+              <a:effectRef idx="0">
+                <a:schemeClr val="accent1"/>
+              </a:effectRef>
+              <a:fontRef idx="minor">
+                <a:schemeClr val="lt1"/>
+              </a:fontRef>
+            </p:style>
+            <p:txBody>
+              <a:bodyPr rtlCol="0" anchor="ctr"/>
+              <a:lstStyle/>
+              <a:p>
+                <a:pPr algn="ctr"/>
+                <a:endParaRPr lang="en-US" dirty="0"/>
+              </a:p>
+            </p:txBody>
+          </p:sp>
+          <p:sp>
+            <p:nvSpPr>
+              <p:cNvPr id="42" name="Rectangle 41">
+                <a:extLst>
+                  <a:ext uri="{FF2B5EF4-FFF2-40B4-BE49-F238E27FC236}">
+                    <a16:creationId xmlns:a16="http://schemas.microsoft.com/office/drawing/2014/main" id="{0C3A9222-9565-D14C-A3CB-959BAB7D5D1E}"/>
+                  </a:ext>
+                </a:extLst>
+              </p:cNvPr>
+              <p:cNvSpPr/>
+              <p:nvPr/>
+            </p:nvSpPr>
+            <p:spPr>
+              <a:xfrm rot="2725328">
+                <a:off x="8278376" y="6834725"/>
+                <a:ext cx="189981" cy="691805"/>
+              </a:xfrm>
+              <a:prstGeom prst="rect">
+                <a:avLst/>
+              </a:prstGeom>
+              <a:ln>
+                <a:noFill/>
+              </a:ln>
+            </p:spPr>
+            <p:style>
+              <a:lnRef idx="2">
+                <a:schemeClr val="accent1">
+                  <a:shade val="50000"/>
+                </a:schemeClr>
+              </a:lnRef>
+              <a:fillRef idx="1">
+                <a:schemeClr val="accent1"/>
+              </a:fillRef>
+              <a:effectRef idx="0">
+                <a:schemeClr val="accent1"/>
+              </a:effectRef>
+              <a:fontRef idx="minor">
+                <a:schemeClr val="lt1"/>
+              </a:fontRef>
+            </p:style>
+            <p:txBody>
+              <a:bodyPr rtlCol="0" anchor="ctr"/>
+              <a:lstStyle/>
+              <a:p>
+                <a:pPr algn="ctr"/>
+                <a:endParaRPr lang="en-US" dirty="0"/>
+              </a:p>
+            </p:txBody>
+          </p:sp>
+        </p:grpSp>
       </p:grpSp>
-      <p:sp>
-        <p:nvSpPr>
-          <p:cNvPr id="15" name="Arc 14">
-            <a:extLst>
-              <a:ext uri="{FF2B5EF4-FFF2-40B4-BE49-F238E27FC236}">
-                <a16:creationId xmlns:a16="http://schemas.microsoft.com/office/drawing/2014/main" id="{7D3DC210-1BA0-1245-BD5B-DF2FBABB7D3B}"/>
-              </a:ext>
-            </a:extLst>
-          </p:cNvPr>
-          <p:cNvSpPr/>
-          <p:nvPr/>
-        </p:nvSpPr>
-        <p:spPr>
-          <a:xfrm rot="12976303">
-            <a:off x="5456612" y="3821407"/>
-            <a:ext cx="211293" cy="1093951"/>
-          </a:xfrm>
-          <a:prstGeom prst="arc">
-            <a:avLst>
-              <a:gd name="adj1" fmla="val 7641511"/>
-              <a:gd name="adj2" fmla="val 17554667"/>
-            </a:avLst>
-          </a:prstGeom>
-          <a:ln w="22225">
-            <a:solidFill>
-              <a:schemeClr val="tx1"/>
-            </a:solidFill>
-            <a:headEnd type="stealth" w="lg" len="lg"/>
-            <a:tailEnd type="none"/>
-          </a:ln>
-        </p:spPr>
-        <p:style>
-          <a:lnRef idx="1">
-            <a:schemeClr val="accent1"/>
-          </a:lnRef>
-          <a:fillRef idx="0">
-            <a:schemeClr val="accent1"/>
-          </a:fillRef>
-          <a:effectRef idx="0">
-            <a:schemeClr val="accent1"/>
-          </a:effectRef>
-          <a:fontRef idx="minor">
-            <a:schemeClr val="tx1"/>
-          </a:fontRef>
-        </p:style>
-        <p:txBody>
-          <a:bodyPr rtlCol="0" anchor="ctr"/>
-          <a:lstStyle/>
-          <a:p>
-            <a:pPr algn="ctr"/>
-            <a:endParaRPr lang="en-US"/>
-          </a:p>
-        </p:txBody>
-      </p:sp>
-      <p:sp>
-        <p:nvSpPr>
-          <p:cNvPr id="16" name="Rounded Rectangle 15">
-            <a:extLst>
-              <a:ext uri="{FF2B5EF4-FFF2-40B4-BE49-F238E27FC236}">
-                <a16:creationId xmlns:a16="http://schemas.microsoft.com/office/drawing/2014/main" id="{64C44F73-63E8-2B40-BD19-4607D81A2E2B}"/>
-              </a:ext>
-            </a:extLst>
-          </p:cNvPr>
-          <p:cNvSpPr/>
-          <p:nvPr/>
-        </p:nvSpPr>
-        <p:spPr>
-          <a:xfrm rot="2233661">
-            <a:off x="5610264" y="2258841"/>
-            <a:ext cx="1141623" cy="2524939"/>
-          </a:xfrm>
-          <a:prstGeom prst="roundRect">
-            <a:avLst/>
-          </a:prstGeom>
-          <a:gradFill flip="none" rotWithShape="1">
-            <a:gsLst>
-              <a:gs pos="69000">
-                <a:schemeClr val="accent1">
-                  <a:alpha val="0"/>
-                  <a:lumMod val="0"/>
-                  <a:lumOff val="100000"/>
-                </a:schemeClr>
-              </a:gs>
-              <a:gs pos="100000">
-                <a:srgbClr val="FF0000">
-                  <a:alpha val="60000"/>
-                </a:srgbClr>
-              </a:gs>
-            </a:gsLst>
-            <a:path path="rect">
-              <a:fillToRect l="50000" t="50000" r="50000" b="50000"/>
-            </a:path>
-            <a:tileRect/>
-          </a:gradFill>
-          <a:ln>
-            <a:noFill/>
-          </a:ln>
-          <a:effectLst>
-            <a:glow rad="63500">
-              <a:srgbClr val="FF0000">
-                <a:alpha val="1000"/>
-              </a:srgbClr>
-            </a:glow>
-            <a:softEdge rad="38100"/>
-          </a:effectLst>
-        </p:spPr>
-        <p:style>
-          <a:lnRef idx="2">
-            <a:schemeClr val="accent1">
-              <a:shade val="50000"/>
-            </a:schemeClr>
-          </a:lnRef>
-          <a:fillRef idx="1">
-            <a:schemeClr val="accent1"/>
-          </a:fillRef>
-          <a:effectRef idx="0">
-            <a:schemeClr val="accent1"/>
-          </a:effectRef>
-          <a:fontRef idx="minor">
-            <a:schemeClr val="lt1"/>
-          </a:fontRef>
-        </p:style>
-        <p:txBody>
-          <a:bodyPr rtlCol="0" anchor="ctr"/>
-          <a:lstStyle/>
-          <a:p>
-            <a:pPr algn="ctr"/>
-            <a:endParaRPr lang="en-US" dirty="0"/>
-          </a:p>
-        </p:txBody>
-      </p:sp>
-      <p:sp>
-        <p:nvSpPr>
-          <p:cNvPr id="18" name="TextBox 17">
-            <a:extLst>
-              <a:ext uri="{FF2B5EF4-FFF2-40B4-BE49-F238E27FC236}">
-                <a16:creationId xmlns:a16="http://schemas.microsoft.com/office/drawing/2014/main" id="{75B6C4CE-49FA-9044-80B6-E40DB0EAFE76}"/>
-              </a:ext>
-            </a:extLst>
-          </p:cNvPr>
-          <p:cNvSpPr txBox="1"/>
-          <p:nvPr/>
-        </p:nvSpPr>
-        <p:spPr>
-          <a:xfrm rot="2220000">
-            <a:off x="4168464" y="2324227"/>
-            <a:ext cx="1366271" cy="523220"/>
-          </a:xfrm>
-          <a:prstGeom prst="rect">
-            <a:avLst/>
-          </a:prstGeom>
-          <a:noFill/>
-        </p:spPr>
-        <p:txBody>
-          <a:bodyPr wrap="none" rtlCol="0">
-            <a:spAutoFit/>
-          </a:bodyPr>
-          <a:lstStyle/>
-          <a:p>
-            <a:r>
-              <a:rPr lang="en-US" sz="2800" dirty="0"/>
-              <a:t>Outflow</a:t>
-            </a:r>
-          </a:p>
-        </p:txBody>
-      </p:sp>
-      <p:sp>
-        <p:nvSpPr>
-          <p:cNvPr id="19" name="TextBox 18">
-            <a:extLst>
-              <a:ext uri="{FF2B5EF4-FFF2-40B4-BE49-F238E27FC236}">
-                <a16:creationId xmlns:a16="http://schemas.microsoft.com/office/drawing/2014/main" id="{D28AB546-85C8-B645-BA99-D83DD87AF1E2}"/>
-              </a:ext>
-            </a:extLst>
-          </p:cNvPr>
-          <p:cNvSpPr txBox="1"/>
-          <p:nvPr/>
-        </p:nvSpPr>
-        <p:spPr>
-          <a:xfrm rot="2220000">
-            <a:off x="6554960" y="4067911"/>
-            <a:ext cx="1366271" cy="523220"/>
-          </a:xfrm>
-          <a:prstGeom prst="rect">
-            <a:avLst/>
-          </a:prstGeom>
-          <a:noFill/>
-        </p:spPr>
-        <p:txBody>
-          <a:bodyPr wrap="none" rtlCol="0">
-            <a:spAutoFit/>
-          </a:bodyPr>
-          <a:lstStyle/>
-          <a:p>
-            <a:r>
-              <a:rPr lang="en-US" sz="2800" dirty="0"/>
-              <a:t>Outflow</a:t>
-            </a:r>
-          </a:p>
-        </p:txBody>
-      </p:sp>
-      <p:sp>
-        <p:nvSpPr>
-          <p:cNvPr id="20" name="TextBox 19">
-            <a:extLst>
-              <a:ext uri="{FF2B5EF4-FFF2-40B4-BE49-F238E27FC236}">
-                <a16:creationId xmlns:a16="http://schemas.microsoft.com/office/drawing/2014/main" id="{B0E26A1D-E1BC-C84D-96BB-54E4FA84B658}"/>
-              </a:ext>
-            </a:extLst>
-          </p:cNvPr>
-          <p:cNvSpPr txBox="1"/>
-          <p:nvPr/>
-        </p:nvSpPr>
-        <p:spPr>
-          <a:xfrm>
-            <a:off x="7977003" y="300738"/>
-            <a:ext cx="1646669" cy="523220"/>
-          </a:xfrm>
-          <a:prstGeom prst="rect">
-            <a:avLst/>
-          </a:prstGeom>
-          <a:noFill/>
-        </p:spPr>
-        <p:txBody>
-          <a:bodyPr wrap="none" rtlCol="0">
-            <a:spAutoFit/>
-          </a:bodyPr>
-          <a:lstStyle/>
-          <a:p>
-            <a:r>
-              <a:rPr lang="en-US" sz="2800" dirty="0"/>
-              <a:t>‘Hot Core’</a:t>
-            </a:r>
-          </a:p>
-        </p:txBody>
-      </p:sp>
-      <p:sp>
-        <p:nvSpPr>
-          <p:cNvPr id="21" name="TextBox 20">
-            <a:extLst>
-              <a:ext uri="{FF2B5EF4-FFF2-40B4-BE49-F238E27FC236}">
-                <a16:creationId xmlns:a16="http://schemas.microsoft.com/office/drawing/2014/main" id="{CEC517E9-1D99-C340-84C1-2E17E06F4DDC}"/>
-              </a:ext>
-            </a:extLst>
-          </p:cNvPr>
-          <p:cNvSpPr txBox="1"/>
-          <p:nvPr/>
-        </p:nvSpPr>
-        <p:spPr>
-          <a:xfrm>
-            <a:off x="6014042" y="1500343"/>
-            <a:ext cx="2448106" cy="523220"/>
-          </a:xfrm>
-          <a:prstGeom prst="rect">
-            <a:avLst/>
-          </a:prstGeom>
-          <a:noFill/>
-        </p:spPr>
-        <p:txBody>
-          <a:bodyPr wrap="none" rtlCol="0">
-            <a:spAutoFit/>
-          </a:bodyPr>
-          <a:lstStyle/>
-          <a:p>
-            <a:r>
-              <a:rPr lang="en-US" sz="2800" dirty="0"/>
-              <a:t>Embedded Disk</a:t>
-            </a:r>
-          </a:p>
-        </p:txBody>
-      </p:sp>
-      <p:cxnSp>
-        <p:nvCxnSpPr>
-          <p:cNvPr id="23" name="Straight Arrow Connector 22">
-            <a:extLst>
-              <a:ext uri="{FF2B5EF4-FFF2-40B4-BE49-F238E27FC236}">
-                <a16:creationId xmlns:a16="http://schemas.microsoft.com/office/drawing/2014/main" id="{0DA26E59-6602-D34E-ADAE-31078305F217}"/>
-              </a:ext>
-            </a:extLst>
-          </p:cNvPr>
-          <p:cNvCxnSpPr/>
-          <p:nvPr/>
-        </p:nvCxnSpPr>
-        <p:spPr>
-          <a:xfrm flipH="1">
-            <a:off x="6445166" y="2010530"/>
-            <a:ext cx="792929" cy="880698"/>
-          </a:xfrm>
-          <a:prstGeom prst="straightConnector1">
-            <a:avLst/>
-          </a:prstGeom>
-          <a:ln w="25400">
-            <a:solidFill>
-              <a:schemeClr val="tx1"/>
-            </a:solidFill>
-            <a:tailEnd type="triangle"/>
-          </a:ln>
-        </p:spPr>
-        <p:style>
-          <a:lnRef idx="1">
-            <a:schemeClr val="accent1"/>
-          </a:lnRef>
-          <a:fillRef idx="0">
-            <a:schemeClr val="accent1"/>
-          </a:fillRef>
-          <a:effectRef idx="0">
-            <a:schemeClr val="accent1"/>
-          </a:effectRef>
-          <a:fontRef idx="minor">
-            <a:schemeClr val="tx1"/>
-          </a:fontRef>
-        </p:style>
-      </p:cxnSp>
-      <p:sp>
-        <p:nvSpPr>
-          <p:cNvPr id="24" name="TextBox 23">
-            <a:extLst>
-              <a:ext uri="{FF2B5EF4-FFF2-40B4-BE49-F238E27FC236}">
-                <a16:creationId xmlns:a16="http://schemas.microsoft.com/office/drawing/2014/main" id="{EF960EB0-3FF9-7D45-A30D-092FEC49369F}"/>
-              </a:ext>
-            </a:extLst>
-          </p:cNvPr>
-          <p:cNvSpPr txBox="1"/>
-          <p:nvPr/>
-        </p:nvSpPr>
-        <p:spPr>
-          <a:xfrm>
-            <a:off x="7862844" y="2189269"/>
-            <a:ext cx="1930465" cy="523220"/>
-          </a:xfrm>
-          <a:prstGeom prst="rect">
-            <a:avLst/>
-          </a:prstGeom>
-          <a:noFill/>
-        </p:spPr>
-        <p:txBody>
-          <a:bodyPr wrap="none" rtlCol="0">
-            <a:spAutoFit/>
-          </a:bodyPr>
-          <a:lstStyle/>
-          <a:p>
-            <a:r>
-              <a:rPr lang="en-US" sz="2800" dirty="0">
-                <a:solidFill>
-                  <a:srgbClr val="FF0000"/>
-                </a:solidFill>
-              </a:rPr>
-              <a:t>Salted Crust</a:t>
-            </a:r>
-          </a:p>
-        </p:txBody>
-      </p:sp>
-      <p:cxnSp>
-        <p:nvCxnSpPr>
-          <p:cNvPr id="25" name="Straight Arrow Connector 24">
-            <a:extLst>
-              <a:ext uri="{FF2B5EF4-FFF2-40B4-BE49-F238E27FC236}">
-                <a16:creationId xmlns:a16="http://schemas.microsoft.com/office/drawing/2014/main" id="{81BA0C61-2DE1-2C45-91CF-30F0ECDCC720}"/>
-              </a:ext>
-            </a:extLst>
-          </p:cNvPr>
-          <p:cNvCxnSpPr>
-            <a:cxnSpLocks/>
-            <a:stCxn id="24" idx="1"/>
-          </p:cNvCxnSpPr>
-          <p:nvPr/>
-        </p:nvCxnSpPr>
-        <p:spPr>
-          <a:xfrm flipH="1">
-            <a:off x="7255658" y="2450879"/>
-            <a:ext cx="607186" cy="429380"/>
-          </a:xfrm>
-          <a:prstGeom prst="straightConnector1">
-            <a:avLst/>
-          </a:prstGeom>
-          <a:ln w="25400">
-            <a:solidFill>
-              <a:srgbClr val="FF0000"/>
-            </a:solidFill>
-            <a:tailEnd type="triangle"/>
-          </a:ln>
-        </p:spPr>
-        <p:style>
-          <a:lnRef idx="1">
-            <a:schemeClr val="accent1"/>
-          </a:lnRef>
-          <a:fillRef idx="0">
-            <a:schemeClr val="accent1"/>
-          </a:fillRef>
-          <a:effectRef idx="0">
-            <a:schemeClr val="accent1"/>
-          </a:effectRef>
-          <a:fontRef idx="minor">
-            <a:schemeClr val="tx1"/>
-          </a:fontRef>
-        </p:style>
-      </p:cxnSp>
-      <p:cxnSp>
-        <p:nvCxnSpPr>
-          <p:cNvPr id="27" name="Straight Arrow Connector 26">
-            <a:extLst>
-              <a:ext uri="{FF2B5EF4-FFF2-40B4-BE49-F238E27FC236}">
-                <a16:creationId xmlns:a16="http://schemas.microsoft.com/office/drawing/2014/main" id="{E437B53C-251A-5A41-A1C0-560180F93DC9}"/>
-              </a:ext>
-            </a:extLst>
-          </p:cNvPr>
-          <p:cNvCxnSpPr>
-            <a:cxnSpLocks/>
-          </p:cNvCxnSpPr>
-          <p:nvPr/>
-        </p:nvCxnSpPr>
-        <p:spPr>
-          <a:xfrm flipV="1">
-            <a:off x="4562997" y="3565962"/>
-            <a:ext cx="1507180" cy="692121"/>
-          </a:xfrm>
-          <a:prstGeom prst="straightConnector1">
-            <a:avLst/>
-          </a:prstGeom>
-          <a:ln w="25400">
-            <a:solidFill>
-              <a:schemeClr val="tx1"/>
-            </a:solidFill>
-            <a:tailEnd type="triangle"/>
-          </a:ln>
-        </p:spPr>
-        <p:style>
-          <a:lnRef idx="1">
-            <a:schemeClr val="accent1"/>
-          </a:lnRef>
-          <a:fillRef idx="0">
-            <a:schemeClr val="accent1"/>
-          </a:fillRef>
-          <a:effectRef idx="0">
-            <a:schemeClr val="accent1"/>
-          </a:effectRef>
-          <a:fontRef idx="minor">
-            <a:schemeClr val="tx1"/>
-          </a:fontRef>
-        </p:style>
-      </p:cxnSp>
-      <p:sp>
-        <p:nvSpPr>
-          <p:cNvPr id="31" name="TextBox 30">
-            <a:extLst>
-              <a:ext uri="{FF2B5EF4-FFF2-40B4-BE49-F238E27FC236}">
-                <a16:creationId xmlns:a16="http://schemas.microsoft.com/office/drawing/2014/main" id="{40343BCE-4AE4-6240-9309-50896C2928F2}"/>
-              </a:ext>
-            </a:extLst>
-          </p:cNvPr>
-          <p:cNvSpPr txBox="1"/>
-          <p:nvPr/>
-        </p:nvSpPr>
-        <p:spPr>
-          <a:xfrm>
-            <a:off x="3701416" y="4086106"/>
-            <a:ext cx="793359" cy="523220"/>
-          </a:xfrm>
-          <a:prstGeom prst="rect">
-            <a:avLst/>
-          </a:prstGeom>
-          <a:noFill/>
-        </p:spPr>
-        <p:txBody>
-          <a:bodyPr wrap="none" rtlCol="0">
-            <a:spAutoFit/>
-          </a:bodyPr>
-          <a:lstStyle/>
-          <a:p>
-            <a:r>
-              <a:rPr lang="en-US" sz="2800" dirty="0" err="1"/>
-              <a:t>Src</a:t>
-            </a:r>
-            <a:r>
-              <a:rPr lang="en-US" sz="2800" dirty="0"/>
-              <a:t> I</a:t>
-            </a:r>
-          </a:p>
-        </p:txBody>
-      </p:sp>
     </p:spTree>
     <p:extLst>
       <p:ext uri="{BB962C8B-B14F-4D97-AF65-F5344CB8AC3E}">

--- a/cartoon.pptx
+++ b/cartoon.pptx
@@ -2,19 +2,19 @@
 <file path=ppt/presentation.xml><?xml version="1.0" encoding="utf-8"?>
 <p:presentation xmlns:a="http://schemas.openxmlformats.org/drawingml/2006/main" xmlns:r="http://schemas.openxmlformats.org/officeDocument/2006/relationships" xmlns:p="http://schemas.openxmlformats.org/presentationml/2006/main" saveSubsetFonts="1" autoCompressPictures="0">
   <p:sldMasterIdLst>
-    <p:sldMasterId id="2147483648" r:id="rId1"/>
+    <p:sldMasterId id="2147483660" r:id="rId1"/>
   </p:sldMasterIdLst>
   <p:sldIdLst>
     <p:sldId id="256" r:id="rId2"/>
   </p:sldIdLst>
-  <p:sldSz cx="12192000" cy="6858000"/>
+  <p:sldSz cx="27432000" cy="13716000"/>
   <p:notesSz cx="6858000" cy="9144000"/>
   <p:defaultTextStyle>
     <a:defPPr>
       <a:defRPr lang="en-US"/>
     </a:defPPr>
-    <a:lvl1pPr marL="0" algn="l" defTabSz="914400" rtl="0" eaLnBrk="1" latinLnBrk="0" hangingPunct="1">
-      <a:defRPr sz="1800" kern="1200">
+    <a:lvl1pPr marL="0" algn="l" defTabSz="1975104" rtl="0" eaLnBrk="1" latinLnBrk="0" hangingPunct="1">
+      <a:defRPr sz="3888" kern="1200">
         <a:solidFill>
           <a:schemeClr val="tx1"/>
         </a:solidFill>
@@ -23,8 +23,8 @@
         <a:cs typeface="+mn-cs"/>
       </a:defRPr>
     </a:lvl1pPr>
-    <a:lvl2pPr marL="457200" algn="l" defTabSz="914400" rtl="0" eaLnBrk="1" latinLnBrk="0" hangingPunct="1">
-      <a:defRPr sz="1800" kern="1200">
+    <a:lvl2pPr marL="987552" algn="l" defTabSz="1975104" rtl="0" eaLnBrk="1" latinLnBrk="0" hangingPunct="1">
+      <a:defRPr sz="3888" kern="1200">
         <a:solidFill>
           <a:schemeClr val="tx1"/>
         </a:solidFill>
@@ -33,8 +33,8 @@
         <a:cs typeface="+mn-cs"/>
       </a:defRPr>
     </a:lvl2pPr>
-    <a:lvl3pPr marL="914400" algn="l" defTabSz="914400" rtl="0" eaLnBrk="1" latinLnBrk="0" hangingPunct="1">
-      <a:defRPr sz="1800" kern="1200">
+    <a:lvl3pPr marL="1975104" algn="l" defTabSz="1975104" rtl="0" eaLnBrk="1" latinLnBrk="0" hangingPunct="1">
+      <a:defRPr sz="3888" kern="1200">
         <a:solidFill>
           <a:schemeClr val="tx1"/>
         </a:solidFill>
@@ -43,8 +43,8 @@
         <a:cs typeface="+mn-cs"/>
       </a:defRPr>
     </a:lvl3pPr>
-    <a:lvl4pPr marL="1371600" algn="l" defTabSz="914400" rtl="0" eaLnBrk="1" latinLnBrk="0" hangingPunct="1">
-      <a:defRPr sz="1800" kern="1200">
+    <a:lvl4pPr marL="2962656" algn="l" defTabSz="1975104" rtl="0" eaLnBrk="1" latinLnBrk="0" hangingPunct="1">
+      <a:defRPr sz="3888" kern="1200">
         <a:solidFill>
           <a:schemeClr val="tx1"/>
         </a:solidFill>
@@ -53,8 +53,8 @@
         <a:cs typeface="+mn-cs"/>
       </a:defRPr>
     </a:lvl4pPr>
-    <a:lvl5pPr marL="1828800" algn="l" defTabSz="914400" rtl="0" eaLnBrk="1" latinLnBrk="0" hangingPunct="1">
-      <a:defRPr sz="1800" kern="1200">
+    <a:lvl5pPr marL="3950208" algn="l" defTabSz="1975104" rtl="0" eaLnBrk="1" latinLnBrk="0" hangingPunct="1">
+      <a:defRPr sz="3888" kern="1200">
         <a:solidFill>
           <a:schemeClr val="tx1"/>
         </a:solidFill>
@@ -63,8 +63,8 @@
         <a:cs typeface="+mn-cs"/>
       </a:defRPr>
     </a:lvl5pPr>
-    <a:lvl6pPr marL="2286000" algn="l" defTabSz="914400" rtl="0" eaLnBrk="1" latinLnBrk="0" hangingPunct="1">
-      <a:defRPr sz="1800" kern="1200">
+    <a:lvl6pPr marL="4937760" algn="l" defTabSz="1975104" rtl="0" eaLnBrk="1" latinLnBrk="0" hangingPunct="1">
+      <a:defRPr sz="3888" kern="1200">
         <a:solidFill>
           <a:schemeClr val="tx1"/>
         </a:solidFill>
@@ -73,8 +73,8 @@
         <a:cs typeface="+mn-cs"/>
       </a:defRPr>
     </a:lvl6pPr>
-    <a:lvl7pPr marL="2743200" algn="l" defTabSz="914400" rtl="0" eaLnBrk="1" latinLnBrk="0" hangingPunct="1">
-      <a:defRPr sz="1800" kern="1200">
+    <a:lvl7pPr marL="5925312" algn="l" defTabSz="1975104" rtl="0" eaLnBrk="1" latinLnBrk="0" hangingPunct="1">
+      <a:defRPr sz="3888" kern="1200">
         <a:solidFill>
           <a:schemeClr val="tx1"/>
         </a:solidFill>
@@ -83,8 +83,8 @@
         <a:cs typeface="+mn-cs"/>
       </a:defRPr>
     </a:lvl7pPr>
-    <a:lvl8pPr marL="3200400" algn="l" defTabSz="914400" rtl="0" eaLnBrk="1" latinLnBrk="0" hangingPunct="1">
-      <a:defRPr sz="1800" kern="1200">
+    <a:lvl8pPr marL="6912864" algn="l" defTabSz="1975104" rtl="0" eaLnBrk="1" latinLnBrk="0" hangingPunct="1">
+      <a:defRPr sz="3888" kern="1200">
         <a:solidFill>
           <a:schemeClr val="tx1"/>
         </a:solidFill>
@@ -93,8 +93,8 @@
         <a:cs typeface="+mn-cs"/>
       </a:defRPr>
     </a:lvl8pPr>
-    <a:lvl9pPr marL="3657600" algn="l" defTabSz="914400" rtl="0" eaLnBrk="1" latinLnBrk="0" hangingPunct="1">
-      <a:defRPr sz="1800" kern="1200">
+    <a:lvl9pPr marL="7900416" algn="l" defTabSz="1975104" rtl="0" eaLnBrk="1" latinLnBrk="0" hangingPunct="1">
+      <a:defRPr sz="3888" kern="1200">
         <a:solidFill>
           <a:schemeClr val="tx1"/>
         </a:solidFill>
@@ -104,6 +104,11 @@
       </a:defRPr>
     </a:lvl9pPr>
   </p:defaultTextStyle>
+  <p:extLst>
+    <p:ext uri="{EFAFB233-063F-42B5-8137-9DF3F51BA10A}">
+      <p15:sldGuideLst xmlns:p15="http://schemas.microsoft.com/office/powerpoint/2012/main"/>
+    </p:ext>
+  </p:extLst>
 </p:presentation>
 </file>
 
@@ -126,13 +131,7 @@
       </p:grpSpPr>
       <p:sp>
         <p:nvSpPr>
-          <p:cNvPr id="2" name="Title 1">
-            <a:extLst>
-              <a:ext uri="{FF2B5EF4-FFF2-40B4-BE49-F238E27FC236}">
-                <a16:creationId xmlns:a16="http://schemas.microsoft.com/office/drawing/2014/main" id="{B6BCE3EA-2E70-514A-BD36-41B2F09D3585}"/>
-              </a:ext>
-            </a:extLst>
-          </p:cNvPr>
+          <p:cNvPr id="2" name="Title 1"/>
           <p:cNvSpPr>
             <a:spLocks noGrp="1"/>
           </p:cNvSpPr>
@@ -142,15 +141,15 @@
         </p:nvSpPr>
         <p:spPr>
           <a:xfrm>
-            <a:off x="1524000" y="1122363"/>
-            <a:ext cx="9144000" cy="2387600"/>
+            <a:off x="3429000" y="2244726"/>
+            <a:ext cx="20574000" cy="4775200"/>
           </a:xfrm>
         </p:spPr>
         <p:txBody>
           <a:bodyPr anchor="b"/>
           <a:lstStyle>
             <a:lvl1pPr algn="ctr">
-              <a:defRPr sz="6000"/>
+              <a:defRPr sz="12000"/>
             </a:lvl1pPr>
           </a:lstStyle>
           <a:p>
@@ -158,18 +157,13 @@
               <a:rPr lang="en-US"/>
               <a:t>Click to edit Master title style</a:t>
             </a:r>
-          </a:p>
-        </p:txBody>
-      </p:sp>
-      <p:sp>
-        <p:nvSpPr>
-          <p:cNvPr id="3" name="Subtitle 2">
-            <a:extLst>
-              <a:ext uri="{FF2B5EF4-FFF2-40B4-BE49-F238E27FC236}">
-                <a16:creationId xmlns:a16="http://schemas.microsoft.com/office/drawing/2014/main" id="{B4442EC0-E256-CA45-8E1D-3087068A1A13}"/>
-              </a:ext>
-            </a:extLst>
-          </p:cNvPr>
+            <a:endParaRPr lang="en-US" dirty="0"/>
+          </a:p>
+        </p:txBody>
+      </p:sp>
+      <p:sp>
+        <p:nvSpPr>
+          <p:cNvPr id="3" name="Subtitle 2"/>
           <p:cNvSpPr>
             <a:spLocks noGrp="1"/>
           </p:cNvSpPr>
@@ -179,8 +173,8 @@
         </p:nvSpPr>
         <p:spPr>
           <a:xfrm>
-            <a:off x="1524000" y="3602038"/>
-            <a:ext cx="9144000" cy="1655762"/>
+            <a:off x="3429000" y="7204076"/>
+            <a:ext cx="20574000" cy="3311524"/>
           </a:xfrm>
         </p:spPr>
         <p:txBody>
@@ -188,39 +182,39 @@
           <a:lstStyle>
             <a:lvl1pPr marL="0" indent="0" algn="ctr">
               <a:buNone/>
-              <a:defRPr sz="2400"/>
+              <a:defRPr sz="4800"/>
             </a:lvl1pPr>
-            <a:lvl2pPr marL="457200" indent="0" algn="ctr">
-              <a:buNone/>
-              <a:defRPr sz="2000"/>
+            <a:lvl2pPr marL="914400" indent="0" algn="ctr">
+              <a:buNone/>
+              <a:defRPr sz="4000"/>
             </a:lvl2pPr>
-            <a:lvl3pPr marL="914400" indent="0" algn="ctr">
-              <a:buNone/>
-              <a:defRPr sz="1800"/>
+            <a:lvl3pPr marL="1828800" indent="0" algn="ctr">
+              <a:buNone/>
+              <a:defRPr sz="3600"/>
             </a:lvl3pPr>
-            <a:lvl4pPr marL="1371600" indent="0" algn="ctr">
-              <a:buNone/>
-              <a:defRPr sz="1600"/>
+            <a:lvl4pPr marL="2743200" indent="0" algn="ctr">
+              <a:buNone/>
+              <a:defRPr sz="3200"/>
             </a:lvl4pPr>
-            <a:lvl5pPr marL="1828800" indent="0" algn="ctr">
-              <a:buNone/>
-              <a:defRPr sz="1600"/>
+            <a:lvl5pPr marL="3657600" indent="0" algn="ctr">
+              <a:buNone/>
+              <a:defRPr sz="3200"/>
             </a:lvl5pPr>
-            <a:lvl6pPr marL="2286000" indent="0" algn="ctr">
-              <a:buNone/>
-              <a:defRPr sz="1600"/>
+            <a:lvl6pPr marL="4572000" indent="0" algn="ctr">
+              <a:buNone/>
+              <a:defRPr sz="3200"/>
             </a:lvl6pPr>
-            <a:lvl7pPr marL="2743200" indent="0" algn="ctr">
-              <a:buNone/>
-              <a:defRPr sz="1600"/>
+            <a:lvl7pPr marL="5486400" indent="0" algn="ctr">
+              <a:buNone/>
+              <a:defRPr sz="3200"/>
             </a:lvl7pPr>
-            <a:lvl8pPr marL="3200400" indent="0" algn="ctr">
-              <a:buNone/>
-              <a:defRPr sz="1600"/>
+            <a:lvl8pPr marL="6400800" indent="0" algn="ctr">
+              <a:buNone/>
+              <a:defRPr sz="3200"/>
             </a:lvl8pPr>
-            <a:lvl9pPr marL="3657600" indent="0" algn="ctr">
-              <a:buNone/>
-              <a:defRPr sz="1600"/>
+            <a:lvl9pPr marL="7315200" indent="0" algn="ctr">
+              <a:buNone/>
+              <a:defRPr sz="3200"/>
             </a:lvl9pPr>
           </a:lstStyle>
           <a:p>
@@ -228,18 +222,13 @@
               <a:rPr lang="en-US"/>
               <a:t>Click to edit Master subtitle style</a:t>
             </a:r>
-          </a:p>
-        </p:txBody>
-      </p:sp>
-      <p:sp>
-        <p:nvSpPr>
-          <p:cNvPr id="4" name="Date Placeholder 3">
-            <a:extLst>
-              <a:ext uri="{FF2B5EF4-FFF2-40B4-BE49-F238E27FC236}">
-                <a16:creationId xmlns:a16="http://schemas.microsoft.com/office/drawing/2014/main" id="{D2D7B595-8BBD-9947-9C42-E6A9716EB56B}"/>
-              </a:ext>
-            </a:extLst>
-          </p:cNvPr>
+            <a:endParaRPr lang="en-US" dirty="0"/>
+          </a:p>
+        </p:txBody>
+      </p:sp>
+      <p:sp>
+        <p:nvSpPr>
+          <p:cNvPr id="4" name="Date Placeholder 3"/>
           <p:cNvSpPr>
             <a:spLocks noGrp="1"/>
           </p:cNvSpPr>
@@ -262,13 +251,7 @@
       </p:sp>
       <p:sp>
         <p:nvSpPr>
-          <p:cNvPr id="5" name="Footer Placeholder 4">
-            <a:extLst>
-              <a:ext uri="{FF2B5EF4-FFF2-40B4-BE49-F238E27FC236}">
-                <a16:creationId xmlns:a16="http://schemas.microsoft.com/office/drawing/2014/main" id="{03A7E492-9401-4747-9489-DFF4DD5FB9BE}"/>
-              </a:ext>
-            </a:extLst>
-          </p:cNvPr>
+          <p:cNvPr id="5" name="Footer Placeholder 4"/>
           <p:cNvSpPr>
             <a:spLocks noGrp="1"/>
           </p:cNvSpPr>
@@ -287,13 +270,7 @@
       </p:sp>
       <p:sp>
         <p:nvSpPr>
-          <p:cNvPr id="6" name="Slide Number Placeholder 5">
-            <a:extLst>
-              <a:ext uri="{FF2B5EF4-FFF2-40B4-BE49-F238E27FC236}">
-                <a16:creationId xmlns:a16="http://schemas.microsoft.com/office/drawing/2014/main" id="{66514A78-517E-E043-AEDC-BC7727E03E8C}"/>
-              </a:ext>
-            </a:extLst>
-          </p:cNvPr>
+          <p:cNvPr id="6" name="Slide Number Placeholder 5"/>
           <p:cNvSpPr>
             <a:spLocks noGrp="1"/>
           </p:cNvSpPr>
@@ -317,7 +294,7 @@
     </p:spTree>
     <p:extLst>
       <p:ext uri="{BB962C8B-B14F-4D97-AF65-F5344CB8AC3E}">
-        <p14:creationId xmlns:p14="http://schemas.microsoft.com/office/powerpoint/2010/main" val="3298774543"/>
+        <p14:creationId xmlns:p14="http://schemas.microsoft.com/office/powerpoint/2010/main" val="1741723877"/>
       </p:ext>
     </p:extLst>
   </p:cSld>
@@ -346,13 +323,7 @@
       </p:grpSpPr>
       <p:sp>
         <p:nvSpPr>
-          <p:cNvPr id="2" name="Title 1">
-            <a:extLst>
-              <a:ext uri="{FF2B5EF4-FFF2-40B4-BE49-F238E27FC236}">
-                <a16:creationId xmlns:a16="http://schemas.microsoft.com/office/drawing/2014/main" id="{6727965C-AA14-714E-B0B0-CC3ADA6CA0AE}"/>
-              </a:ext>
-            </a:extLst>
-          </p:cNvPr>
+          <p:cNvPr id="2" name="Title 1"/>
           <p:cNvSpPr>
             <a:spLocks noGrp="1"/>
           </p:cNvSpPr>
@@ -369,18 +340,13 @@
               <a:rPr lang="en-US"/>
               <a:t>Click to edit Master title style</a:t>
             </a:r>
-          </a:p>
-        </p:txBody>
-      </p:sp>
-      <p:sp>
-        <p:nvSpPr>
-          <p:cNvPr id="3" name="Vertical Text Placeholder 2">
-            <a:extLst>
-              <a:ext uri="{FF2B5EF4-FFF2-40B4-BE49-F238E27FC236}">
-                <a16:creationId xmlns:a16="http://schemas.microsoft.com/office/drawing/2014/main" id="{185F1D11-0242-4144-B6AF-B9539D199C90}"/>
-              </a:ext>
-            </a:extLst>
-          </p:cNvPr>
+            <a:endParaRPr lang="en-US" dirty="0"/>
+          </a:p>
+        </p:txBody>
+      </p:sp>
+      <p:sp>
+        <p:nvSpPr>
+          <p:cNvPr id="3" name="Vertical Text Placeholder 2"/>
           <p:cNvSpPr>
             <a:spLocks noGrp="1"/>
           </p:cNvSpPr>
@@ -426,18 +392,13 @@
               <a:rPr lang="en-US"/>
               <a:t>Fifth level</a:t>
             </a:r>
-          </a:p>
-        </p:txBody>
-      </p:sp>
-      <p:sp>
-        <p:nvSpPr>
-          <p:cNvPr id="4" name="Date Placeholder 3">
-            <a:extLst>
-              <a:ext uri="{FF2B5EF4-FFF2-40B4-BE49-F238E27FC236}">
-                <a16:creationId xmlns:a16="http://schemas.microsoft.com/office/drawing/2014/main" id="{538255AE-7BDA-A24B-BCBA-8FAABEDB8D21}"/>
-              </a:ext>
-            </a:extLst>
-          </p:cNvPr>
+            <a:endParaRPr lang="en-US" dirty="0"/>
+          </a:p>
+        </p:txBody>
+      </p:sp>
+      <p:sp>
+        <p:nvSpPr>
+          <p:cNvPr id="4" name="Date Placeholder 3"/>
           <p:cNvSpPr>
             <a:spLocks noGrp="1"/>
           </p:cNvSpPr>
@@ -460,13 +421,7 @@
       </p:sp>
       <p:sp>
         <p:nvSpPr>
-          <p:cNvPr id="5" name="Footer Placeholder 4">
-            <a:extLst>
-              <a:ext uri="{FF2B5EF4-FFF2-40B4-BE49-F238E27FC236}">
-                <a16:creationId xmlns:a16="http://schemas.microsoft.com/office/drawing/2014/main" id="{5250CF3B-3A42-E242-8D77-95313356C3DB}"/>
-              </a:ext>
-            </a:extLst>
-          </p:cNvPr>
+          <p:cNvPr id="5" name="Footer Placeholder 4"/>
           <p:cNvSpPr>
             <a:spLocks noGrp="1"/>
           </p:cNvSpPr>
@@ -485,13 +440,7 @@
       </p:sp>
       <p:sp>
         <p:nvSpPr>
-          <p:cNvPr id="6" name="Slide Number Placeholder 5">
-            <a:extLst>
-              <a:ext uri="{FF2B5EF4-FFF2-40B4-BE49-F238E27FC236}">
-                <a16:creationId xmlns:a16="http://schemas.microsoft.com/office/drawing/2014/main" id="{56068FE5-E9A5-CE43-BDD6-79B5A7245C5B}"/>
-              </a:ext>
-            </a:extLst>
-          </p:cNvPr>
+          <p:cNvPr id="6" name="Slide Number Placeholder 5"/>
           <p:cNvSpPr>
             <a:spLocks noGrp="1"/>
           </p:cNvSpPr>
@@ -515,7 +464,7 @@
     </p:spTree>
     <p:extLst>
       <p:ext uri="{BB962C8B-B14F-4D97-AF65-F5344CB8AC3E}">
-        <p14:creationId xmlns:p14="http://schemas.microsoft.com/office/powerpoint/2010/main" val="1606430577"/>
+        <p14:creationId xmlns:p14="http://schemas.microsoft.com/office/powerpoint/2010/main" val="217472383"/>
       </p:ext>
     </p:extLst>
   </p:cSld>
@@ -544,13 +493,7 @@
       </p:grpSpPr>
       <p:sp>
         <p:nvSpPr>
-          <p:cNvPr id="2" name="Vertical Title 1">
-            <a:extLst>
-              <a:ext uri="{FF2B5EF4-FFF2-40B4-BE49-F238E27FC236}">
-                <a16:creationId xmlns:a16="http://schemas.microsoft.com/office/drawing/2014/main" id="{FF52C8FC-D949-7B45-B1C3-8070A4221629}"/>
-              </a:ext>
-            </a:extLst>
-          </p:cNvPr>
+          <p:cNvPr id="2" name="Vertical Title 1"/>
           <p:cNvSpPr>
             <a:spLocks noGrp="1"/>
           </p:cNvSpPr>
@@ -560,8 +503,8 @@
         </p:nvSpPr>
         <p:spPr>
           <a:xfrm>
-            <a:off x="8724900" y="365125"/>
-            <a:ext cx="2628900" cy="5811838"/>
+            <a:off x="19631025" y="730250"/>
+            <a:ext cx="5915025" cy="11623676"/>
           </a:xfrm>
         </p:spPr>
         <p:txBody>
@@ -572,18 +515,13 @@
               <a:rPr lang="en-US"/>
               <a:t>Click to edit Master title style</a:t>
             </a:r>
-          </a:p>
-        </p:txBody>
-      </p:sp>
-      <p:sp>
-        <p:nvSpPr>
-          <p:cNvPr id="3" name="Vertical Text Placeholder 2">
-            <a:extLst>
-              <a:ext uri="{FF2B5EF4-FFF2-40B4-BE49-F238E27FC236}">
-                <a16:creationId xmlns:a16="http://schemas.microsoft.com/office/drawing/2014/main" id="{06413126-520D-814D-8A06-7EC62D527E50}"/>
-              </a:ext>
-            </a:extLst>
-          </p:cNvPr>
+            <a:endParaRPr lang="en-US" dirty="0"/>
+          </a:p>
+        </p:txBody>
+      </p:sp>
+      <p:sp>
+        <p:nvSpPr>
+          <p:cNvPr id="3" name="Vertical Text Placeholder 2"/>
           <p:cNvSpPr>
             <a:spLocks noGrp="1"/>
           </p:cNvSpPr>
@@ -593,8 +531,8 @@
         </p:nvSpPr>
         <p:spPr>
           <a:xfrm>
-            <a:off x="838200" y="365125"/>
-            <a:ext cx="7734300" cy="5811838"/>
+            <a:off x="1885950" y="730250"/>
+            <a:ext cx="17402175" cy="11623676"/>
           </a:xfrm>
         </p:spPr>
         <p:txBody>
@@ -634,18 +572,13 @@
               <a:rPr lang="en-US"/>
               <a:t>Fifth level</a:t>
             </a:r>
-          </a:p>
-        </p:txBody>
-      </p:sp>
-      <p:sp>
-        <p:nvSpPr>
-          <p:cNvPr id="4" name="Date Placeholder 3">
-            <a:extLst>
-              <a:ext uri="{FF2B5EF4-FFF2-40B4-BE49-F238E27FC236}">
-                <a16:creationId xmlns:a16="http://schemas.microsoft.com/office/drawing/2014/main" id="{C7FB376B-887B-9D4F-8F5D-B1536D8EC509}"/>
-              </a:ext>
-            </a:extLst>
-          </p:cNvPr>
+            <a:endParaRPr lang="en-US" dirty="0"/>
+          </a:p>
+        </p:txBody>
+      </p:sp>
+      <p:sp>
+        <p:nvSpPr>
+          <p:cNvPr id="4" name="Date Placeholder 3"/>
           <p:cNvSpPr>
             <a:spLocks noGrp="1"/>
           </p:cNvSpPr>
@@ -668,13 +601,7 @@
       </p:sp>
       <p:sp>
         <p:nvSpPr>
-          <p:cNvPr id="5" name="Footer Placeholder 4">
-            <a:extLst>
-              <a:ext uri="{FF2B5EF4-FFF2-40B4-BE49-F238E27FC236}">
-                <a16:creationId xmlns:a16="http://schemas.microsoft.com/office/drawing/2014/main" id="{FF8BFA24-13A3-E643-8015-61ED1DFD57F4}"/>
-              </a:ext>
-            </a:extLst>
-          </p:cNvPr>
+          <p:cNvPr id="5" name="Footer Placeholder 4"/>
           <p:cNvSpPr>
             <a:spLocks noGrp="1"/>
           </p:cNvSpPr>
@@ -693,13 +620,7 @@
       </p:sp>
       <p:sp>
         <p:nvSpPr>
-          <p:cNvPr id="6" name="Slide Number Placeholder 5">
-            <a:extLst>
-              <a:ext uri="{FF2B5EF4-FFF2-40B4-BE49-F238E27FC236}">
-                <a16:creationId xmlns:a16="http://schemas.microsoft.com/office/drawing/2014/main" id="{07EA5CCA-17AE-2D4E-A84E-590D0C635C58}"/>
-              </a:ext>
-            </a:extLst>
-          </p:cNvPr>
+          <p:cNvPr id="6" name="Slide Number Placeholder 5"/>
           <p:cNvSpPr>
             <a:spLocks noGrp="1"/>
           </p:cNvSpPr>
@@ -723,7 +644,7 @@
     </p:spTree>
     <p:extLst>
       <p:ext uri="{BB962C8B-B14F-4D97-AF65-F5344CB8AC3E}">
-        <p14:creationId xmlns:p14="http://schemas.microsoft.com/office/powerpoint/2010/main" val="3938834681"/>
+        <p14:creationId xmlns:p14="http://schemas.microsoft.com/office/powerpoint/2010/main" val="1793176180"/>
       </p:ext>
     </p:extLst>
   </p:cSld>
@@ -752,13 +673,7 @@
       </p:grpSpPr>
       <p:sp>
         <p:nvSpPr>
-          <p:cNvPr id="2" name="Title 1">
-            <a:extLst>
-              <a:ext uri="{FF2B5EF4-FFF2-40B4-BE49-F238E27FC236}">
-                <a16:creationId xmlns:a16="http://schemas.microsoft.com/office/drawing/2014/main" id="{2FE69223-B650-E349-AB82-346130898875}"/>
-              </a:ext>
-            </a:extLst>
-          </p:cNvPr>
+          <p:cNvPr id="2" name="Title 1"/>
           <p:cNvSpPr>
             <a:spLocks noGrp="1"/>
           </p:cNvSpPr>
@@ -775,18 +690,13 @@
               <a:rPr lang="en-US"/>
               <a:t>Click to edit Master title style</a:t>
             </a:r>
-          </a:p>
-        </p:txBody>
-      </p:sp>
-      <p:sp>
-        <p:nvSpPr>
-          <p:cNvPr id="3" name="Content Placeholder 2">
-            <a:extLst>
-              <a:ext uri="{FF2B5EF4-FFF2-40B4-BE49-F238E27FC236}">
-                <a16:creationId xmlns:a16="http://schemas.microsoft.com/office/drawing/2014/main" id="{24375E8C-0568-F54B-92DD-C2536F4428BC}"/>
-              </a:ext>
-            </a:extLst>
-          </p:cNvPr>
+            <a:endParaRPr lang="en-US" dirty="0"/>
+          </a:p>
+        </p:txBody>
+      </p:sp>
+      <p:sp>
+        <p:nvSpPr>
+          <p:cNvPr id="3" name="Content Placeholder 2"/>
           <p:cNvSpPr>
             <a:spLocks noGrp="1"/>
           </p:cNvSpPr>
@@ -832,18 +742,13 @@
               <a:rPr lang="en-US"/>
               <a:t>Fifth level</a:t>
             </a:r>
-          </a:p>
-        </p:txBody>
-      </p:sp>
-      <p:sp>
-        <p:nvSpPr>
-          <p:cNvPr id="4" name="Date Placeholder 3">
-            <a:extLst>
-              <a:ext uri="{FF2B5EF4-FFF2-40B4-BE49-F238E27FC236}">
-                <a16:creationId xmlns:a16="http://schemas.microsoft.com/office/drawing/2014/main" id="{887B547A-596B-6249-ACE6-4C0C825E2AC8}"/>
-              </a:ext>
-            </a:extLst>
-          </p:cNvPr>
+            <a:endParaRPr lang="en-US" dirty="0"/>
+          </a:p>
+        </p:txBody>
+      </p:sp>
+      <p:sp>
+        <p:nvSpPr>
+          <p:cNvPr id="4" name="Date Placeholder 3"/>
           <p:cNvSpPr>
             <a:spLocks noGrp="1"/>
           </p:cNvSpPr>
@@ -866,13 +771,7 @@
       </p:sp>
       <p:sp>
         <p:nvSpPr>
-          <p:cNvPr id="5" name="Footer Placeholder 4">
-            <a:extLst>
-              <a:ext uri="{FF2B5EF4-FFF2-40B4-BE49-F238E27FC236}">
-                <a16:creationId xmlns:a16="http://schemas.microsoft.com/office/drawing/2014/main" id="{843A75B0-21E9-F842-8BF7-3C1D5DB6560C}"/>
-              </a:ext>
-            </a:extLst>
-          </p:cNvPr>
+          <p:cNvPr id="5" name="Footer Placeholder 4"/>
           <p:cNvSpPr>
             <a:spLocks noGrp="1"/>
           </p:cNvSpPr>
@@ -891,13 +790,7 @@
       </p:sp>
       <p:sp>
         <p:nvSpPr>
-          <p:cNvPr id="6" name="Slide Number Placeholder 5">
-            <a:extLst>
-              <a:ext uri="{FF2B5EF4-FFF2-40B4-BE49-F238E27FC236}">
-                <a16:creationId xmlns:a16="http://schemas.microsoft.com/office/drawing/2014/main" id="{678890B2-CF1A-2642-956F-43CD2A72C9C5}"/>
-              </a:ext>
-            </a:extLst>
-          </p:cNvPr>
+          <p:cNvPr id="6" name="Slide Number Placeholder 5"/>
           <p:cNvSpPr>
             <a:spLocks noGrp="1"/>
           </p:cNvSpPr>
@@ -921,7 +814,7 @@
     </p:spTree>
     <p:extLst>
       <p:ext uri="{BB962C8B-B14F-4D97-AF65-F5344CB8AC3E}">
-        <p14:creationId xmlns:p14="http://schemas.microsoft.com/office/powerpoint/2010/main" val="3949229578"/>
+        <p14:creationId xmlns:p14="http://schemas.microsoft.com/office/powerpoint/2010/main" val="4280728074"/>
       </p:ext>
     </p:extLst>
   </p:cSld>
@@ -950,13 +843,7 @@
       </p:grpSpPr>
       <p:sp>
         <p:nvSpPr>
-          <p:cNvPr id="2" name="Title 1">
-            <a:extLst>
-              <a:ext uri="{FF2B5EF4-FFF2-40B4-BE49-F238E27FC236}">
-                <a16:creationId xmlns:a16="http://schemas.microsoft.com/office/drawing/2014/main" id="{3C1D1590-B896-5E42-99DC-B569AD4327EE}"/>
-              </a:ext>
-            </a:extLst>
-          </p:cNvPr>
+          <p:cNvPr id="2" name="Title 1"/>
           <p:cNvSpPr>
             <a:spLocks noGrp="1"/>
           </p:cNvSpPr>
@@ -966,15 +853,15 @@
         </p:nvSpPr>
         <p:spPr>
           <a:xfrm>
-            <a:off x="831850" y="1709738"/>
-            <a:ext cx="10515600" cy="2852737"/>
+            <a:off x="1871663" y="3419477"/>
+            <a:ext cx="23660100" cy="5705474"/>
           </a:xfrm>
         </p:spPr>
         <p:txBody>
           <a:bodyPr anchor="b"/>
           <a:lstStyle>
             <a:lvl1pPr>
-              <a:defRPr sz="6000"/>
+              <a:defRPr sz="12000"/>
             </a:lvl1pPr>
           </a:lstStyle>
           <a:p>
@@ -982,18 +869,13 @@
               <a:rPr lang="en-US"/>
               <a:t>Click to edit Master title style</a:t>
             </a:r>
-          </a:p>
-        </p:txBody>
-      </p:sp>
-      <p:sp>
-        <p:nvSpPr>
-          <p:cNvPr id="3" name="Text Placeholder 2">
-            <a:extLst>
-              <a:ext uri="{FF2B5EF4-FFF2-40B4-BE49-F238E27FC236}">
-                <a16:creationId xmlns:a16="http://schemas.microsoft.com/office/drawing/2014/main" id="{F9C47F22-5077-BE47-8C29-36B8CB74A6DA}"/>
-              </a:ext>
-            </a:extLst>
-          </p:cNvPr>
+            <a:endParaRPr lang="en-US" dirty="0"/>
+          </a:p>
+        </p:txBody>
+      </p:sp>
+      <p:sp>
+        <p:nvSpPr>
+          <p:cNvPr id="3" name="Text Placeholder 2"/>
           <p:cNvSpPr>
             <a:spLocks noGrp="1"/>
           </p:cNvSpPr>
@@ -1003,8 +885,8 @@
         </p:nvSpPr>
         <p:spPr>
           <a:xfrm>
-            <a:off x="831850" y="4589463"/>
-            <a:ext cx="10515600" cy="1500187"/>
+            <a:off x="1871663" y="9178927"/>
+            <a:ext cx="23660100" cy="3000374"/>
           </a:xfrm>
         </p:spPr>
         <p:txBody>
@@ -1012,7 +894,7 @@
           <a:lstStyle>
             <a:lvl1pPr marL="0" indent="0">
               <a:buNone/>
-              <a:defRPr sz="2400">
+              <a:defRPr sz="4800">
                 <a:solidFill>
                   <a:schemeClr val="tx1">
                     <a:tint val="75000"/>
@@ -1020,9 +902,9 @@
                 </a:solidFill>
               </a:defRPr>
             </a:lvl1pPr>
-            <a:lvl2pPr marL="457200" indent="0">
-              <a:buNone/>
-              <a:defRPr sz="2000">
+            <a:lvl2pPr marL="914400" indent="0">
+              <a:buNone/>
+              <a:defRPr sz="4000">
                 <a:solidFill>
                   <a:schemeClr val="tx1">
                     <a:tint val="75000"/>
@@ -1030,9 +912,9 @@
                 </a:solidFill>
               </a:defRPr>
             </a:lvl2pPr>
-            <a:lvl3pPr marL="914400" indent="0">
-              <a:buNone/>
-              <a:defRPr sz="1800">
+            <a:lvl3pPr marL="1828800" indent="0">
+              <a:buNone/>
+              <a:defRPr sz="3600">
                 <a:solidFill>
                   <a:schemeClr val="tx1">
                     <a:tint val="75000"/>
@@ -1040,9 +922,9 @@
                 </a:solidFill>
               </a:defRPr>
             </a:lvl3pPr>
-            <a:lvl4pPr marL="1371600" indent="0">
-              <a:buNone/>
-              <a:defRPr sz="1600">
+            <a:lvl4pPr marL="2743200" indent="0">
+              <a:buNone/>
+              <a:defRPr sz="3200">
                 <a:solidFill>
                   <a:schemeClr val="tx1">
                     <a:tint val="75000"/>
@@ -1050,9 +932,9 @@
                 </a:solidFill>
               </a:defRPr>
             </a:lvl4pPr>
-            <a:lvl5pPr marL="1828800" indent="0">
-              <a:buNone/>
-              <a:defRPr sz="1600">
+            <a:lvl5pPr marL="3657600" indent="0">
+              <a:buNone/>
+              <a:defRPr sz="3200">
                 <a:solidFill>
                   <a:schemeClr val="tx1">
                     <a:tint val="75000"/>
@@ -1060,9 +942,9 @@
                 </a:solidFill>
               </a:defRPr>
             </a:lvl5pPr>
-            <a:lvl6pPr marL="2286000" indent="0">
-              <a:buNone/>
-              <a:defRPr sz="1600">
+            <a:lvl6pPr marL="4572000" indent="0">
+              <a:buNone/>
+              <a:defRPr sz="3200">
                 <a:solidFill>
                   <a:schemeClr val="tx1">
                     <a:tint val="75000"/>
@@ -1070,9 +952,9 @@
                 </a:solidFill>
               </a:defRPr>
             </a:lvl6pPr>
-            <a:lvl7pPr marL="2743200" indent="0">
-              <a:buNone/>
-              <a:defRPr sz="1600">
+            <a:lvl7pPr marL="5486400" indent="0">
+              <a:buNone/>
+              <a:defRPr sz="3200">
                 <a:solidFill>
                   <a:schemeClr val="tx1">
                     <a:tint val="75000"/>
@@ -1080,9 +962,9 @@
                 </a:solidFill>
               </a:defRPr>
             </a:lvl7pPr>
-            <a:lvl8pPr marL="3200400" indent="0">
-              <a:buNone/>
-              <a:defRPr sz="1600">
+            <a:lvl8pPr marL="6400800" indent="0">
+              <a:buNone/>
+              <a:defRPr sz="3200">
                 <a:solidFill>
                   <a:schemeClr val="tx1">
                     <a:tint val="75000"/>
@@ -1090,9 +972,9 @@
                 </a:solidFill>
               </a:defRPr>
             </a:lvl8pPr>
-            <a:lvl9pPr marL="3657600" indent="0">
-              <a:buNone/>
-              <a:defRPr sz="1600">
+            <a:lvl9pPr marL="7315200" indent="0">
+              <a:buNone/>
+              <a:defRPr sz="3200">
                 <a:solidFill>
                   <a:schemeClr val="tx1">
                     <a:tint val="75000"/>
@@ -1112,13 +994,7 @@
       </p:sp>
       <p:sp>
         <p:nvSpPr>
-          <p:cNvPr id="4" name="Date Placeholder 3">
-            <a:extLst>
-              <a:ext uri="{FF2B5EF4-FFF2-40B4-BE49-F238E27FC236}">
-                <a16:creationId xmlns:a16="http://schemas.microsoft.com/office/drawing/2014/main" id="{9E7EFBCC-D3A4-7149-875B-F3AF44C4E9DD}"/>
-              </a:ext>
-            </a:extLst>
-          </p:cNvPr>
+          <p:cNvPr id="4" name="Date Placeholder 3"/>
           <p:cNvSpPr>
             <a:spLocks noGrp="1"/>
           </p:cNvSpPr>
@@ -1141,13 +1017,7 @@
       </p:sp>
       <p:sp>
         <p:nvSpPr>
-          <p:cNvPr id="5" name="Footer Placeholder 4">
-            <a:extLst>
-              <a:ext uri="{FF2B5EF4-FFF2-40B4-BE49-F238E27FC236}">
-                <a16:creationId xmlns:a16="http://schemas.microsoft.com/office/drawing/2014/main" id="{BC2E0266-0A8F-414A-936D-4361699642EF}"/>
-              </a:ext>
-            </a:extLst>
-          </p:cNvPr>
+          <p:cNvPr id="5" name="Footer Placeholder 4"/>
           <p:cNvSpPr>
             <a:spLocks noGrp="1"/>
           </p:cNvSpPr>
@@ -1166,13 +1036,7 @@
       </p:sp>
       <p:sp>
         <p:nvSpPr>
-          <p:cNvPr id="6" name="Slide Number Placeholder 5">
-            <a:extLst>
-              <a:ext uri="{FF2B5EF4-FFF2-40B4-BE49-F238E27FC236}">
-                <a16:creationId xmlns:a16="http://schemas.microsoft.com/office/drawing/2014/main" id="{AA31EAFC-7AD5-8C49-BA6C-ADC27C2BF96C}"/>
-              </a:ext>
-            </a:extLst>
-          </p:cNvPr>
+          <p:cNvPr id="6" name="Slide Number Placeholder 5"/>
           <p:cNvSpPr>
             <a:spLocks noGrp="1"/>
           </p:cNvSpPr>
@@ -1196,7 +1060,7 @@
     </p:spTree>
     <p:extLst>
       <p:ext uri="{BB962C8B-B14F-4D97-AF65-F5344CB8AC3E}">
-        <p14:creationId xmlns:p14="http://schemas.microsoft.com/office/powerpoint/2010/main" val="1016560893"/>
+        <p14:creationId xmlns:p14="http://schemas.microsoft.com/office/powerpoint/2010/main" val="1153670104"/>
       </p:ext>
     </p:extLst>
   </p:cSld>
@@ -1225,13 +1089,7 @@
       </p:grpSpPr>
       <p:sp>
         <p:nvSpPr>
-          <p:cNvPr id="2" name="Title 1">
-            <a:extLst>
-              <a:ext uri="{FF2B5EF4-FFF2-40B4-BE49-F238E27FC236}">
-                <a16:creationId xmlns:a16="http://schemas.microsoft.com/office/drawing/2014/main" id="{A7F514E0-D59C-0246-833B-ED733AE3FD74}"/>
-              </a:ext>
-            </a:extLst>
-          </p:cNvPr>
+          <p:cNvPr id="2" name="Title 1"/>
           <p:cNvSpPr>
             <a:spLocks noGrp="1"/>
           </p:cNvSpPr>
@@ -1248,18 +1106,13 @@
               <a:rPr lang="en-US"/>
               <a:t>Click to edit Master title style</a:t>
             </a:r>
-          </a:p>
-        </p:txBody>
-      </p:sp>
-      <p:sp>
-        <p:nvSpPr>
-          <p:cNvPr id="3" name="Content Placeholder 2">
-            <a:extLst>
-              <a:ext uri="{FF2B5EF4-FFF2-40B4-BE49-F238E27FC236}">
-                <a16:creationId xmlns:a16="http://schemas.microsoft.com/office/drawing/2014/main" id="{DBE04753-9F25-AD4D-A851-BDE1049F178E}"/>
-              </a:ext>
-            </a:extLst>
-          </p:cNvPr>
+            <a:endParaRPr lang="en-US" dirty="0"/>
+          </a:p>
+        </p:txBody>
+      </p:sp>
+      <p:sp>
+        <p:nvSpPr>
+          <p:cNvPr id="3" name="Content Placeholder 2"/>
           <p:cNvSpPr>
             <a:spLocks noGrp="1"/>
           </p:cNvSpPr>
@@ -1269,8 +1122,8 @@
         </p:nvSpPr>
         <p:spPr>
           <a:xfrm>
-            <a:off x="838200" y="1825625"/>
-            <a:ext cx="5181600" cy="4351338"/>
+            <a:off x="1885950" y="3651250"/>
+            <a:ext cx="11658600" cy="8702676"/>
           </a:xfrm>
         </p:spPr>
         <p:txBody>
@@ -1310,18 +1163,13 @@
               <a:rPr lang="en-US"/>
               <a:t>Fifth level</a:t>
             </a:r>
-          </a:p>
-        </p:txBody>
-      </p:sp>
-      <p:sp>
-        <p:nvSpPr>
-          <p:cNvPr id="4" name="Content Placeholder 3">
-            <a:extLst>
-              <a:ext uri="{FF2B5EF4-FFF2-40B4-BE49-F238E27FC236}">
-                <a16:creationId xmlns:a16="http://schemas.microsoft.com/office/drawing/2014/main" id="{41EE6CFA-B904-E84D-A9DB-9E60E6AF7BF5}"/>
-              </a:ext>
-            </a:extLst>
-          </p:cNvPr>
+            <a:endParaRPr lang="en-US" dirty="0"/>
+          </a:p>
+        </p:txBody>
+      </p:sp>
+      <p:sp>
+        <p:nvSpPr>
+          <p:cNvPr id="4" name="Content Placeholder 3"/>
           <p:cNvSpPr>
             <a:spLocks noGrp="1"/>
           </p:cNvSpPr>
@@ -1331,8 +1179,8 @@
         </p:nvSpPr>
         <p:spPr>
           <a:xfrm>
-            <a:off x="6172200" y="1825625"/>
-            <a:ext cx="5181600" cy="4351338"/>
+            <a:off x="13887450" y="3651250"/>
+            <a:ext cx="11658600" cy="8702676"/>
           </a:xfrm>
         </p:spPr>
         <p:txBody>
@@ -1372,18 +1220,13 @@
               <a:rPr lang="en-US"/>
               <a:t>Fifth level</a:t>
             </a:r>
-          </a:p>
-        </p:txBody>
-      </p:sp>
-      <p:sp>
-        <p:nvSpPr>
-          <p:cNvPr id="5" name="Date Placeholder 4">
-            <a:extLst>
-              <a:ext uri="{FF2B5EF4-FFF2-40B4-BE49-F238E27FC236}">
-                <a16:creationId xmlns:a16="http://schemas.microsoft.com/office/drawing/2014/main" id="{67B203B4-B4CD-BC41-9A0B-B61130C60572}"/>
-              </a:ext>
-            </a:extLst>
-          </p:cNvPr>
+            <a:endParaRPr lang="en-US" dirty="0"/>
+          </a:p>
+        </p:txBody>
+      </p:sp>
+      <p:sp>
+        <p:nvSpPr>
+          <p:cNvPr id="5" name="Date Placeholder 4"/>
           <p:cNvSpPr>
             <a:spLocks noGrp="1"/>
           </p:cNvSpPr>
@@ -1406,13 +1249,7 @@
       </p:sp>
       <p:sp>
         <p:nvSpPr>
-          <p:cNvPr id="6" name="Footer Placeholder 5">
-            <a:extLst>
-              <a:ext uri="{FF2B5EF4-FFF2-40B4-BE49-F238E27FC236}">
-                <a16:creationId xmlns:a16="http://schemas.microsoft.com/office/drawing/2014/main" id="{AAC1B200-13EE-4E41-9DD2-BA4F5B919AFB}"/>
-              </a:ext>
-            </a:extLst>
-          </p:cNvPr>
+          <p:cNvPr id="6" name="Footer Placeholder 5"/>
           <p:cNvSpPr>
             <a:spLocks noGrp="1"/>
           </p:cNvSpPr>
@@ -1431,13 +1268,7 @@
       </p:sp>
       <p:sp>
         <p:nvSpPr>
-          <p:cNvPr id="7" name="Slide Number Placeholder 6">
-            <a:extLst>
-              <a:ext uri="{FF2B5EF4-FFF2-40B4-BE49-F238E27FC236}">
-                <a16:creationId xmlns:a16="http://schemas.microsoft.com/office/drawing/2014/main" id="{D973EDC9-8298-F640-A2A1-512C01BE0914}"/>
-              </a:ext>
-            </a:extLst>
-          </p:cNvPr>
+          <p:cNvPr id="7" name="Slide Number Placeholder 6"/>
           <p:cNvSpPr>
             <a:spLocks noGrp="1"/>
           </p:cNvSpPr>
@@ -1461,7 +1292,7 @@
     </p:spTree>
     <p:extLst>
       <p:ext uri="{BB962C8B-B14F-4D97-AF65-F5344CB8AC3E}">
-        <p14:creationId xmlns:p14="http://schemas.microsoft.com/office/powerpoint/2010/main" val="2349487371"/>
+        <p14:creationId xmlns:p14="http://schemas.microsoft.com/office/powerpoint/2010/main" val="2080887149"/>
       </p:ext>
     </p:extLst>
   </p:cSld>
@@ -1490,13 +1321,7 @@
       </p:grpSpPr>
       <p:sp>
         <p:nvSpPr>
-          <p:cNvPr id="2" name="Title 1">
-            <a:extLst>
-              <a:ext uri="{FF2B5EF4-FFF2-40B4-BE49-F238E27FC236}">
-                <a16:creationId xmlns:a16="http://schemas.microsoft.com/office/drawing/2014/main" id="{E4D53CBC-3137-3442-B782-F905C4D8D767}"/>
-              </a:ext>
-            </a:extLst>
-          </p:cNvPr>
+          <p:cNvPr id="2" name="Title 1"/>
           <p:cNvSpPr>
             <a:spLocks noGrp="1"/>
           </p:cNvSpPr>
@@ -1506,8 +1331,8 @@
         </p:nvSpPr>
         <p:spPr>
           <a:xfrm>
-            <a:off x="839788" y="365125"/>
-            <a:ext cx="10515600" cy="1325563"/>
+            <a:off x="1889523" y="730251"/>
+            <a:ext cx="23660100" cy="2651126"/>
           </a:xfrm>
         </p:spPr>
         <p:txBody>
@@ -1518,18 +1343,13 @@
               <a:rPr lang="en-US"/>
               <a:t>Click to edit Master title style</a:t>
             </a:r>
-          </a:p>
-        </p:txBody>
-      </p:sp>
-      <p:sp>
-        <p:nvSpPr>
-          <p:cNvPr id="3" name="Text Placeholder 2">
-            <a:extLst>
-              <a:ext uri="{FF2B5EF4-FFF2-40B4-BE49-F238E27FC236}">
-                <a16:creationId xmlns:a16="http://schemas.microsoft.com/office/drawing/2014/main" id="{C9A430B9-1110-CA46-AB79-C18C391D8925}"/>
-              </a:ext>
-            </a:extLst>
-          </p:cNvPr>
+            <a:endParaRPr lang="en-US" dirty="0"/>
+          </a:p>
+        </p:txBody>
+      </p:sp>
+      <p:sp>
+        <p:nvSpPr>
+          <p:cNvPr id="3" name="Text Placeholder 2"/>
           <p:cNvSpPr>
             <a:spLocks noGrp="1"/>
           </p:cNvSpPr>
@@ -1539,8 +1359,8 @@
         </p:nvSpPr>
         <p:spPr>
           <a:xfrm>
-            <a:off x="839788" y="1681163"/>
-            <a:ext cx="5157787" cy="823912"/>
+            <a:off x="1889524" y="3362326"/>
+            <a:ext cx="11605021" cy="1647824"/>
           </a:xfrm>
         </p:spPr>
         <p:txBody>
@@ -1548,39 +1368,39 @@
           <a:lstStyle>
             <a:lvl1pPr marL="0" indent="0">
               <a:buNone/>
-              <a:defRPr sz="2400" b="1"/>
+              <a:defRPr sz="4800" b="1"/>
             </a:lvl1pPr>
-            <a:lvl2pPr marL="457200" indent="0">
-              <a:buNone/>
-              <a:defRPr sz="2000" b="1"/>
+            <a:lvl2pPr marL="914400" indent="0">
+              <a:buNone/>
+              <a:defRPr sz="4000" b="1"/>
             </a:lvl2pPr>
-            <a:lvl3pPr marL="914400" indent="0">
-              <a:buNone/>
-              <a:defRPr sz="1800" b="1"/>
+            <a:lvl3pPr marL="1828800" indent="0">
+              <a:buNone/>
+              <a:defRPr sz="3600" b="1"/>
             </a:lvl3pPr>
-            <a:lvl4pPr marL="1371600" indent="0">
-              <a:buNone/>
-              <a:defRPr sz="1600" b="1"/>
+            <a:lvl4pPr marL="2743200" indent="0">
+              <a:buNone/>
+              <a:defRPr sz="3200" b="1"/>
             </a:lvl4pPr>
-            <a:lvl5pPr marL="1828800" indent="0">
-              <a:buNone/>
-              <a:defRPr sz="1600" b="1"/>
+            <a:lvl5pPr marL="3657600" indent="0">
+              <a:buNone/>
+              <a:defRPr sz="3200" b="1"/>
             </a:lvl5pPr>
-            <a:lvl6pPr marL="2286000" indent="0">
-              <a:buNone/>
-              <a:defRPr sz="1600" b="1"/>
+            <a:lvl6pPr marL="4572000" indent="0">
+              <a:buNone/>
+              <a:defRPr sz="3200" b="1"/>
             </a:lvl6pPr>
-            <a:lvl7pPr marL="2743200" indent="0">
-              <a:buNone/>
-              <a:defRPr sz="1600" b="1"/>
+            <a:lvl7pPr marL="5486400" indent="0">
+              <a:buNone/>
+              <a:defRPr sz="3200" b="1"/>
             </a:lvl7pPr>
-            <a:lvl8pPr marL="3200400" indent="0">
-              <a:buNone/>
-              <a:defRPr sz="1600" b="1"/>
+            <a:lvl8pPr marL="6400800" indent="0">
+              <a:buNone/>
+              <a:defRPr sz="3200" b="1"/>
             </a:lvl8pPr>
-            <a:lvl9pPr marL="3657600" indent="0">
-              <a:buNone/>
-              <a:defRPr sz="1600" b="1"/>
+            <a:lvl9pPr marL="7315200" indent="0">
+              <a:buNone/>
+              <a:defRPr sz="3200" b="1"/>
             </a:lvl9pPr>
           </a:lstStyle>
           <a:p>
@@ -1594,13 +1414,7 @@
       </p:sp>
       <p:sp>
         <p:nvSpPr>
-          <p:cNvPr id="4" name="Content Placeholder 3">
-            <a:extLst>
-              <a:ext uri="{FF2B5EF4-FFF2-40B4-BE49-F238E27FC236}">
-                <a16:creationId xmlns:a16="http://schemas.microsoft.com/office/drawing/2014/main" id="{32BE0357-BC25-D84E-9624-926F79B81C75}"/>
-              </a:ext>
-            </a:extLst>
-          </p:cNvPr>
+          <p:cNvPr id="4" name="Content Placeholder 3"/>
           <p:cNvSpPr>
             <a:spLocks noGrp="1"/>
           </p:cNvSpPr>
@@ -1610,8 +1424,8 @@
         </p:nvSpPr>
         <p:spPr>
           <a:xfrm>
-            <a:off x="839788" y="2505075"/>
-            <a:ext cx="5157787" cy="3684588"/>
+            <a:off x="1889524" y="5010150"/>
+            <a:ext cx="11605021" cy="7369176"/>
           </a:xfrm>
         </p:spPr>
         <p:txBody>
@@ -1651,18 +1465,13 @@
               <a:rPr lang="en-US"/>
               <a:t>Fifth level</a:t>
             </a:r>
-          </a:p>
-        </p:txBody>
-      </p:sp>
-      <p:sp>
-        <p:nvSpPr>
-          <p:cNvPr id="5" name="Text Placeholder 4">
-            <a:extLst>
-              <a:ext uri="{FF2B5EF4-FFF2-40B4-BE49-F238E27FC236}">
-                <a16:creationId xmlns:a16="http://schemas.microsoft.com/office/drawing/2014/main" id="{3918CBD0-0A59-4E41-8C31-A317841F1118}"/>
-              </a:ext>
-            </a:extLst>
-          </p:cNvPr>
+            <a:endParaRPr lang="en-US" dirty="0"/>
+          </a:p>
+        </p:txBody>
+      </p:sp>
+      <p:sp>
+        <p:nvSpPr>
+          <p:cNvPr id="5" name="Text Placeholder 4"/>
           <p:cNvSpPr>
             <a:spLocks noGrp="1"/>
           </p:cNvSpPr>
@@ -1672,8 +1481,8 @@
         </p:nvSpPr>
         <p:spPr>
           <a:xfrm>
-            <a:off x="6172200" y="1681163"/>
-            <a:ext cx="5183188" cy="823912"/>
+            <a:off x="13887450" y="3362326"/>
+            <a:ext cx="11662173" cy="1647824"/>
           </a:xfrm>
         </p:spPr>
         <p:txBody>
@@ -1681,39 +1490,39 @@
           <a:lstStyle>
             <a:lvl1pPr marL="0" indent="0">
               <a:buNone/>
-              <a:defRPr sz="2400" b="1"/>
+              <a:defRPr sz="4800" b="1"/>
             </a:lvl1pPr>
-            <a:lvl2pPr marL="457200" indent="0">
-              <a:buNone/>
-              <a:defRPr sz="2000" b="1"/>
+            <a:lvl2pPr marL="914400" indent="0">
+              <a:buNone/>
+              <a:defRPr sz="4000" b="1"/>
             </a:lvl2pPr>
-            <a:lvl3pPr marL="914400" indent="0">
-              <a:buNone/>
-              <a:defRPr sz="1800" b="1"/>
+            <a:lvl3pPr marL="1828800" indent="0">
+              <a:buNone/>
+              <a:defRPr sz="3600" b="1"/>
             </a:lvl3pPr>
-            <a:lvl4pPr marL="1371600" indent="0">
-              <a:buNone/>
-              <a:defRPr sz="1600" b="1"/>
+            <a:lvl4pPr marL="2743200" indent="0">
+              <a:buNone/>
+              <a:defRPr sz="3200" b="1"/>
             </a:lvl4pPr>
-            <a:lvl5pPr marL="1828800" indent="0">
-              <a:buNone/>
-              <a:defRPr sz="1600" b="1"/>
+            <a:lvl5pPr marL="3657600" indent="0">
+              <a:buNone/>
+              <a:defRPr sz="3200" b="1"/>
             </a:lvl5pPr>
-            <a:lvl6pPr marL="2286000" indent="0">
-              <a:buNone/>
-              <a:defRPr sz="1600" b="1"/>
+            <a:lvl6pPr marL="4572000" indent="0">
+              <a:buNone/>
+              <a:defRPr sz="3200" b="1"/>
             </a:lvl6pPr>
-            <a:lvl7pPr marL="2743200" indent="0">
-              <a:buNone/>
-              <a:defRPr sz="1600" b="1"/>
+            <a:lvl7pPr marL="5486400" indent="0">
+              <a:buNone/>
+              <a:defRPr sz="3200" b="1"/>
             </a:lvl7pPr>
-            <a:lvl8pPr marL="3200400" indent="0">
-              <a:buNone/>
-              <a:defRPr sz="1600" b="1"/>
+            <a:lvl8pPr marL="6400800" indent="0">
+              <a:buNone/>
+              <a:defRPr sz="3200" b="1"/>
             </a:lvl8pPr>
-            <a:lvl9pPr marL="3657600" indent="0">
-              <a:buNone/>
-              <a:defRPr sz="1600" b="1"/>
+            <a:lvl9pPr marL="7315200" indent="0">
+              <a:buNone/>
+              <a:defRPr sz="3200" b="1"/>
             </a:lvl9pPr>
           </a:lstStyle>
           <a:p>
@@ -1727,13 +1536,7 @@
       </p:sp>
       <p:sp>
         <p:nvSpPr>
-          <p:cNvPr id="6" name="Content Placeholder 5">
-            <a:extLst>
-              <a:ext uri="{FF2B5EF4-FFF2-40B4-BE49-F238E27FC236}">
-                <a16:creationId xmlns:a16="http://schemas.microsoft.com/office/drawing/2014/main" id="{26F3DF26-85FF-8444-810A-9E34848427EB}"/>
-              </a:ext>
-            </a:extLst>
-          </p:cNvPr>
+          <p:cNvPr id="6" name="Content Placeholder 5"/>
           <p:cNvSpPr>
             <a:spLocks noGrp="1"/>
           </p:cNvSpPr>
@@ -1743,8 +1546,8 @@
         </p:nvSpPr>
         <p:spPr>
           <a:xfrm>
-            <a:off x="6172200" y="2505075"/>
-            <a:ext cx="5183188" cy="3684588"/>
+            <a:off x="13887450" y="5010150"/>
+            <a:ext cx="11662173" cy="7369176"/>
           </a:xfrm>
         </p:spPr>
         <p:txBody>
@@ -1784,18 +1587,13 @@
               <a:rPr lang="en-US"/>
               <a:t>Fifth level</a:t>
             </a:r>
-          </a:p>
-        </p:txBody>
-      </p:sp>
-      <p:sp>
-        <p:nvSpPr>
-          <p:cNvPr id="7" name="Date Placeholder 6">
-            <a:extLst>
-              <a:ext uri="{FF2B5EF4-FFF2-40B4-BE49-F238E27FC236}">
-                <a16:creationId xmlns:a16="http://schemas.microsoft.com/office/drawing/2014/main" id="{6B19EB9D-4316-4D42-8C25-8C1341012CD0}"/>
-              </a:ext>
-            </a:extLst>
-          </p:cNvPr>
+            <a:endParaRPr lang="en-US" dirty="0"/>
+          </a:p>
+        </p:txBody>
+      </p:sp>
+      <p:sp>
+        <p:nvSpPr>
+          <p:cNvPr id="7" name="Date Placeholder 6"/>
           <p:cNvSpPr>
             <a:spLocks noGrp="1"/>
           </p:cNvSpPr>
@@ -1818,13 +1616,7 @@
       </p:sp>
       <p:sp>
         <p:nvSpPr>
-          <p:cNvPr id="8" name="Footer Placeholder 7">
-            <a:extLst>
-              <a:ext uri="{FF2B5EF4-FFF2-40B4-BE49-F238E27FC236}">
-                <a16:creationId xmlns:a16="http://schemas.microsoft.com/office/drawing/2014/main" id="{75F4CEBF-ACE8-9545-9708-E541E0E6C312}"/>
-              </a:ext>
-            </a:extLst>
-          </p:cNvPr>
+          <p:cNvPr id="8" name="Footer Placeholder 7"/>
           <p:cNvSpPr>
             <a:spLocks noGrp="1"/>
           </p:cNvSpPr>
@@ -1843,13 +1635,7 @@
       </p:sp>
       <p:sp>
         <p:nvSpPr>
-          <p:cNvPr id="9" name="Slide Number Placeholder 8">
-            <a:extLst>
-              <a:ext uri="{FF2B5EF4-FFF2-40B4-BE49-F238E27FC236}">
-                <a16:creationId xmlns:a16="http://schemas.microsoft.com/office/drawing/2014/main" id="{F64A0C5C-3957-7F41-91F1-00CD4F8D8FA4}"/>
-              </a:ext>
-            </a:extLst>
-          </p:cNvPr>
+          <p:cNvPr id="9" name="Slide Number Placeholder 8"/>
           <p:cNvSpPr>
             <a:spLocks noGrp="1"/>
           </p:cNvSpPr>
@@ -1873,7 +1659,7 @@
     </p:spTree>
     <p:extLst>
       <p:ext uri="{BB962C8B-B14F-4D97-AF65-F5344CB8AC3E}">
-        <p14:creationId xmlns:p14="http://schemas.microsoft.com/office/powerpoint/2010/main" val="3805528300"/>
+        <p14:creationId xmlns:p14="http://schemas.microsoft.com/office/powerpoint/2010/main" val="1015046956"/>
       </p:ext>
     </p:extLst>
   </p:cSld>
@@ -1902,13 +1688,7 @@
       </p:grpSpPr>
       <p:sp>
         <p:nvSpPr>
-          <p:cNvPr id="2" name="Title 1">
-            <a:extLst>
-              <a:ext uri="{FF2B5EF4-FFF2-40B4-BE49-F238E27FC236}">
-                <a16:creationId xmlns:a16="http://schemas.microsoft.com/office/drawing/2014/main" id="{8472C5A1-9854-584E-BD8B-86D01002DA00}"/>
-              </a:ext>
-            </a:extLst>
-          </p:cNvPr>
+          <p:cNvPr id="2" name="Title 1"/>
           <p:cNvSpPr>
             <a:spLocks noGrp="1"/>
           </p:cNvSpPr>
@@ -1925,18 +1705,13 @@
               <a:rPr lang="en-US"/>
               <a:t>Click to edit Master title style</a:t>
             </a:r>
-          </a:p>
-        </p:txBody>
-      </p:sp>
-      <p:sp>
-        <p:nvSpPr>
-          <p:cNvPr id="3" name="Date Placeholder 2">
-            <a:extLst>
-              <a:ext uri="{FF2B5EF4-FFF2-40B4-BE49-F238E27FC236}">
-                <a16:creationId xmlns:a16="http://schemas.microsoft.com/office/drawing/2014/main" id="{9D226ACE-E373-9C4B-A4C8-4AB5FD3A3A5D}"/>
-              </a:ext>
-            </a:extLst>
-          </p:cNvPr>
+            <a:endParaRPr lang="en-US" dirty="0"/>
+          </a:p>
+        </p:txBody>
+      </p:sp>
+      <p:sp>
+        <p:nvSpPr>
+          <p:cNvPr id="3" name="Date Placeholder 2"/>
           <p:cNvSpPr>
             <a:spLocks noGrp="1"/>
           </p:cNvSpPr>
@@ -1959,13 +1734,7 @@
       </p:sp>
       <p:sp>
         <p:nvSpPr>
-          <p:cNvPr id="4" name="Footer Placeholder 3">
-            <a:extLst>
-              <a:ext uri="{FF2B5EF4-FFF2-40B4-BE49-F238E27FC236}">
-                <a16:creationId xmlns:a16="http://schemas.microsoft.com/office/drawing/2014/main" id="{E4C89418-AA0A-1045-AA14-B01251F05B67}"/>
-              </a:ext>
-            </a:extLst>
-          </p:cNvPr>
+          <p:cNvPr id="4" name="Footer Placeholder 3"/>
           <p:cNvSpPr>
             <a:spLocks noGrp="1"/>
           </p:cNvSpPr>
@@ -1984,13 +1753,7 @@
       </p:sp>
       <p:sp>
         <p:nvSpPr>
-          <p:cNvPr id="5" name="Slide Number Placeholder 4">
-            <a:extLst>
-              <a:ext uri="{FF2B5EF4-FFF2-40B4-BE49-F238E27FC236}">
-                <a16:creationId xmlns:a16="http://schemas.microsoft.com/office/drawing/2014/main" id="{319E3B65-145B-ED43-A204-C6FD91E308F6}"/>
-              </a:ext>
-            </a:extLst>
-          </p:cNvPr>
+          <p:cNvPr id="5" name="Slide Number Placeholder 4"/>
           <p:cNvSpPr>
             <a:spLocks noGrp="1"/>
           </p:cNvSpPr>
@@ -2014,7 +1777,7 @@
     </p:spTree>
     <p:extLst>
       <p:ext uri="{BB962C8B-B14F-4D97-AF65-F5344CB8AC3E}">
-        <p14:creationId xmlns:p14="http://schemas.microsoft.com/office/powerpoint/2010/main" val="2489593652"/>
+        <p14:creationId xmlns:p14="http://schemas.microsoft.com/office/powerpoint/2010/main" val="1331660347"/>
       </p:ext>
     </p:extLst>
   </p:cSld>
@@ -2043,13 +1806,7 @@
       </p:grpSpPr>
       <p:sp>
         <p:nvSpPr>
-          <p:cNvPr id="2" name="Date Placeholder 1">
-            <a:extLst>
-              <a:ext uri="{FF2B5EF4-FFF2-40B4-BE49-F238E27FC236}">
-                <a16:creationId xmlns:a16="http://schemas.microsoft.com/office/drawing/2014/main" id="{B1B2276C-3EE0-5146-A614-929A0CD3693E}"/>
-              </a:ext>
-            </a:extLst>
-          </p:cNvPr>
+          <p:cNvPr id="2" name="Date Placeholder 1"/>
           <p:cNvSpPr>
             <a:spLocks noGrp="1"/>
           </p:cNvSpPr>
@@ -2072,13 +1829,7 @@
       </p:sp>
       <p:sp>
         <p:nvSpPr>
-          <p:cNvPr id="3" name="Footer Placeholder 2">
-            <a:extLst>
-              <a:ext uri="{FF2B5EF4-FFF2-40B4-BE49-F238E27FC236}">
-                <a16:creationId xmlns:a16="http://schemas.microsoft.com/office/drawing/2014/main" id="{587E95FF-D980-B546-8656-F5FB88FB207C}"/>
-              </a:ext>
-            </a:extLst>
-          </p:cNvPr>
+          <p:cNvPr id="3" name="Footer Placeholder 2"/>
           <p:cNvSpPr>
             <a:spLocks noGrp="1"/>
           </p:cNvSpPr>
@@ -2097,13 +1848,7 @@
       </p:sp>
       <p:sp>
         <p:nvSpPr>
-          <p:cNvPr id="4" name="Slide Number Placeholder 3">
-            <a:extLst>
-              <a:ext uri="{FF2B5EF4-FFF2-40B4-BE49-F238E27FC236}">
-                <a16:creationId xmlns:a16="http://schemas.microsoft.com/office/drawing/2014/main" id="{2EB3753C-7AC7-7345-9A95-0F44C0AD214C}"/>
-              </a:ext>
-            </a:extLst>
-          </p:cNvPr>
+          <p:cNvPr id="4" name="Slide Number Placeholder 3"/>
           <p:cNvSpPr>
             <a:spLocks noGrp="1"/>
           </p:cNvSpPr>
@@ -2127,7 +1872,7 @@
     </p:spTree>
     <p:extLst>
       <p:ext uri="{BB962C8B-B14F-4D97-AF65-F5344CB8AC3E}">
-        <p14:creationId xmlns:p14="http://schemas.microsoft.com/office/powerpoint/2010/main" val="2794793031"/>
+        <p14:creationId xmlns:p14="http://schemas.microsoft.com/office/powerpoint/2010/main" val="4133523993"/>
       </p:ext>
     </p:extLst>
   </p:cSld>
@@ -2156,13 +1901,7 @@
       </p:grpSpPr>
       <p:sp>
         <p:nvSpPr>
-          <p:cNvPr id="2" name="Title 1">
-            <a:extLst>
-              <a:ext uri="{FF2B5EF4-FFF2-40B4-BE49-F238E27FC236}">
-                <a16:creationId xmlns:a16="http://schemas.microsoft.com/office/drawing/2014/main" id="{6CED3E62-21E5-3D40-8ABB-14AA15F46B6D}"/>
-              </a:ext>
-            </a:extLst>
-          </p:cNvPr>
+          <p:cNvPr id="2" name="Title 1"/>
           <p:cNvSpPr>
             <a:spLocks noGrp="1"/>
           </p:cNvSpPr>
@@ -2172,75 +1911,164 @@
         </p:nvSpPr>
         <p:spPr>
           <a:xfrm>
-            <a:off x="839788" y="457200"/>
-            <a:ext cx="3932237" cy="1600200"/>
+            <a:off x="1889524" y="914400"/>
+            <a:ext cx="8847533" cy="3200400"/>
           </a:xfrm>
         </p:spPr>
         <p:txBody>
           <a:bodyPr anchor="b"/>
           <a:lstStyle>
             <a:lvl1pPr>
+              <a:defRPr sz="6400"/>
+            </a:lvl1pPr>
+          </a:lstStyle>
+          <a:p>
+            <a:r>
+              <a:rPr lang="en-US"/>
+              <a:t>Click to edit Master title style</a:t>
+            </a:r>
+            <a:endParaRPr lang="en-US" dirty="0"/>
+          </a:p>
+        </p:txBody>
+      </p:sp>
+      <p:sp>
+        <p:nvSpPr>
+          <p:cNvPr id="3" name="Content Placeholder 2"/>
+          <p:cNvSpPr>
+            <a:spLocks noGrp="1"/>
+          </p:cNvSpPr>
+          <p:nvPr>
+            <p:ph idx="1"/>
+          </p:nvPr>
+        </p:nvSpPr>
+        <p:spPr>
+          <a:xfrm>
+            <a:off x="11662173" y="1974851"/>
+            <a:ext cx="13887450" cy="9747250"/>
+          </a:xfrm>
+        </p:spPr>
+        <p:txBody>
+          <a:bodyPr/>
+          <a:lstStyle>
+            <a:lvl1pPr>
+              <a:defRPr sz="6400"/>
+            </a:lvl1pPr>
+            <a:lvl2pPr>
+              <a:defRPr sz="5600"/>
+            </a:lvl2pPr>
+            <a:lvl3pPr>
+              <a:defRPr sz="4800"/>
+            </a:lvl3pPr>
+            <a:lvl4pPr>
+              <a:defRPr sz="4000"/>
+            </a:lvl4pPr>
+            <a:lvl5pPr>
+              <a:defRPr sz="4000"/>
+            </a:lvl5pPr>
+            <a:lvl6pPr>
+              <a:defRPr sz="4000"/>
+            </a:lvl6pPr>
+            <a:lvl7pPr>
+              <a:defRPr sz="4000"/>
+            </a:lvl7pPr>
+            <a:lvl8pPr>
+              <a:defRPr sz="4000"/>
+            </a:lvl8pPr>
+            <a:lvl9pPr>
+              <a:defRPr sz="4000"/>
+            </a:lvl9pPr>
+          </a:lstStyle>
+          <a:p>
+            <a:pPr lvl="0"/>
+            <a:r>
+              <a:rPr lang="en-US"/>
+              <a:t>Edit Master text styles</a:t>
+            </a:r>
+          </a:p>
+          <a:p>
+            <a:pPr lvl="1"/>
+            <a:r>
+              <a:rPr lang="en-US"/>
+              <a:t>Second level</a:t>
+            </a:r>
+          </a:p>
+          <a:p>
+            <a:pPr lvl="2"/>
+            <a:r>
+              <a:rPr lang="en-US"/>
+              <a:t>Third level</a:t>
+            </a:r>
+          </a:p>
+          <a:p>
+            <a:pPr lvl="3"/>
+            <a:r>
+              <a:rPr lang="en-US"/>
+              <a:t>Fourth level</a:t>
+            </a:r>
+          </a:p>
+          <a:p>
+            <a:pPr lvl="4"/>
+            <a:r>
+              <a:rPr lang="en-US"/>
+              <a:t>Fifth level</a:t>
+            </a:r>
+            <a:endParaRPr lang="en-US" dirty="0"/>
+          </a:p>
+        </p:txBody>
+      </p:sp>
+      <p:sp>
+        <p:nvSpPr>
+          <p:cNvPr id="4" name="Text Placeholder 3"/>
+          <p:cNvSpPr>
+            <a:spLocks noGrp="1"/>
+          </p:cNvSpPr>
+          <p:nvPr>
+            <p:ph type="body" sz="half" idx="2"/>
+          </p:nvPr>
+        </p:nvSpPr>
+        <p:spPr>
+          <a:xfrm>
+            <a:off x="1889524" y="4114800"/>
+            <a:ext cx="8847533" cy="7623176"/>
+          </a:xfrm>
+        </p:spPr>
+        <p:txBody>
+          <a:bodyPr/>
+          <a:lstStyle>
+            <a:lvl1pPr marL="0" indent="0">
+              <a:buNone/>
               <a:defRPr sz="3200"/>
             </a:lvl1pPr>
-          </a:lstStyle>
-          <a:p>
-            <a:r>
-              <a:rPr lang="en-US"/>
-              <a:t>Click to edit Master title style</a:t>
-            </a:r>
-          </a:p>
-        </p:txBody>
-      </p:sp>
-      <p:sp>
-        <p:nvSpPr>
-          <p:cNvPr id="3" name="Content Placeholder 2">
-            <a:extLst>
-              <a:ext uri="{FF2B5EF4-FFF2-40B4-BE49-F238E27FC236}">
-                <a16:creationId xmlns:a16="http://schemas.microsoft.com/office/drawing/2014/main" id="{B0D08856-5985-EE43-9BD2-5D3403AE47EC}"/>
-              </a:ext>
-            </a:extLst>
-          </p:cNvPr>
-          <p:cNvSpPr>
-            <a:spLocks noGrp="1"/>
-          </p:cNvSpPr>
-          <p:nvPr>
-            <p:ph idx="1"/>
-          </p:nvPr>
-        </p:nvSpPr>
-        <p:spPr>
-          <a:xfrm>
-            <a:off x="5183188" y="987425"/>
-            <a:ext cx="6172200" cy="4873625"/>
-          </a:xfrm>
-        </p:spPr>
-        <p:txBody>
-          <a:bodyPr/>
-          <a:lstStyle>
-            <a:lvl1pPr>
-              <a:defRPr sz="3200"/>
-            </a:lvl1pPr>
-            <a:lvl2pPr>
+            <a:lvl2pPr marL="914400" indent="0">
+              <a:buNone/>
               <a:defRPr sz="2800"/>
             </a:lvl2pPr>
-            <a:lvl3pPr>
+            <a:lvl3pPr marL="1828800" indent="0">
+              <a:buNone/>
               <a:defRPr sz="2400"/>
             </a:lvl3pPr>
-            <a:lvl4pPr>
+            <a:lvl4pPr marL="2743200" indent="0">
+              <a:buNone/>
               <a:defRPr sz="2000"/>
             </a:lvl4pPr>
-            <a:lvl5pPr>
+            <a:lvl5pPr marL="3657600" indent="0">
+              <a:buNone/>
               <a:defRPr sz="2000"/>
             </a:lvl5pPr>
-            <a:lvl6pPr>
+            <a:lvl6pPr marL="4572000" indent="0">
+              <a:buNone/>
               <a:defRPr sz="2000"/>
             </a:lvl6pPr>
-            <a:lvl7pPr>
+            <a:lvl7pPr marL="5486400" indent="0">
+              <a:buNone/>
               <a:defRPr sz="2000"/>
             </a:lvl7pPr>
-            <a:lvl8pPr>
+            <a:lvl8pPr marL="6400800" indent="0">
+              <a:buNone/>
               <a:defRPr sz="2000"/>
             </a:lvl8pPr>
-            <a:lvl9pPr>
+            <a:lvl9pPr marL="7315200" indent="0">
+              <a:buNone/>
               <a:defRPr sz="2000"/>
             </a:lvl9pPr>
           </a:lstStyle>
@@ -2251,116 +2079,11 @@
               <a:t>Edit Master text styles</a:t>
             </a:r>
           </a:p>
-          <a:p>
-            <a:pPr lvl="1"/>
-            <a:r>
-              <a:rPr lang="en-US"/>
-              <a:t>Second level</a:t>
-            </a:r>
-          </a:p>
-          <a:p>
-            <a:pPr lvl="2"/>
-            <a:r>
-              <a:rPr lang="en-US"/>
-              <a:t>Third level</a:t>
-            </a:r>
-          </a:p>
-          <a:p>
-            <a:pPr lvl="3"/>
-            <a:r>
-              <a:rPr lang="en-US"/>
-              <a:t>Fourth level</a:t>
-            </a:r>
-          </a:p>
-          <a:p>
-            <a:pPr lvl="4"/>
-            <a:r>
-              <a:rPr lang="en-US"/>
-              <a:t>Fifth level</a:t>
-            </a:r>
-          </a:p>
-        </p:txBody>
-      </p:sp>
-      <p:sp>
-        <p:nvSpPr>
-          <p:cNvPr id="4" name="Text Placeholder 3">
-            <a:extLst>
-              <a:ext uri="{FF2B5EF4-FFF2-40B4-BE49-F238E27FC236}">
-                <a16:creationId xmlns:a16="http://schemas.microsoft.com/office/drawing/2014/main" id="{78A9021E-7925-BB49-A23D-0F58560325A2}"/>
-              </a:ext>
-            </a:extLst>
-          </p:cNvPr>
-          <p:cNvSpPr>
-            <a:spLocks noGrp="1"/>
-          </p:cNvSpPr>
-          <p:nvPr>
-            <p:ph type="body" sz="half" idx="2"/>
-          </p:nvPr>
-        </p:nvSpPr>
-        <p:spPr>
-          <a:xfrm>
-            <a:off x="839788" y="2057400"/>
-            <a:ext cx="3932237" cy="3811588"/>
-          </a:xfrm>
-        </p:spPr>
-        <p:txBody>
-          <a:bodyPr/>
-          <a:lstStyle>
-            <a:lvl1pPr marL="0" indent="0">
-              <a:buNone/>
-              <a:defRPr sz="1600"/>
-            </a:lvl1pPr>
-            <a:lvl2pPr marL="457200" indent="0">
-              <a:buNone/>
-              <a:defRPr sz="1400"/>
-            </a:lvl2pPr>
-            <a:lvl3pPr marL="914400" indent="0">
-              <a:buNone/>
-              <a:defRPr sz="1200"/>
-            </a:lvl3pPr>
-            <a:lvl4pPr marL="1371600" indent="0">
-              <a:buNone/>
-              <a:defRPr sz="1000"/>
-            </a:lvl4pPr>
-            <a:lvl5pPr marL="1828800" indent="0">
-              <a:buNone/>
-              <a:defRPr sz="1000"/>
-            </a:lvl5pPr>
-            <a:lvl6pPr marL="2286000" indent="0">
-              <a:buNone/>
-              <a:defRPr sz="1000"/>
-            </a:lvl6pPr>
-            <a:lvl7pPr marL="2743200" indent="0">
-              <a:buNone/>
-              <a:defRPr sz="1000"/>
-            </a:lvl7pPr>
-            <a:lvl8pPr marL="3200400" indent="0">
-              <a:buNone/>
-              <a:defRPr sz="1000"/>
-            </a:lvl8pPr>
-            <a:lvl9pPr marL="3657600" indent="0">
-              <a:buNone/>
-              <a:defRPr sz="1000"/>
-            </a:lvl9pPr>
-          </a:lstStyle>
-          <a:p>
-            <a:pPr lvl="0"/>
-            <a:r>
-              <a:rPr lang="en-US"/>
-              <a:t>Edit Master text styles</a:t>
-            </a:r>
-          </a:p>
-        </p:txBody>
-      </p:sp>
-      <p:sp>
-        <p:nvSpPr>
-          <p:cNvPr id="5" name="Date Placeholder 4">
-            <a:extLst>
-              <a:ext uri="{FF2B5EF4-FFF2-40B4-BE49-F238E27FC236}">
-                <a16:creationId xmlns:a16="http://schemas.microsoft.com/office/drawing/2014/main" id="{177259B0-6845-1547-AC7E-F958C42BF31A}"/>
-              </a:ext>
-            </a:extLst>
-          </p:cNvPr>
+        </p:txBody>
+      </p:sp>
+      <p:sp>
+        <p:nvSpPr>
+          <p:cNvPr id="5" name="Date Placeholder 4"/>
           <p:cNvSpPr>
             <a:spLocks noGrp="1"/>
           </p:cNvSpPr>
@@ -2383,13 +2106,7 @@
       </p:sp>
       <p:sp>
         <p:nvSpPr>
-          <p:cNvPr id="6" name="Footer Placeholder 5">
-            <a:extLst>
-              <a:ext uri="{FF2B5EF4-FFF2-40B4-BE49-F238E27FC236}">
-                <a16:creationId xmlns:a16="http://schemas.microsoft.com/office/drawing/2014/main" id="{FD768B21-9D5B-3641-A03A-3B97079ECB87}"/>
-              </a:ext>
-            </a:extLst>
-          </p:cNvPr>
+          <p:cNvPr id="6" name="Footer Placeholder 5"/>
           <p:cNvSpPr>
             <a:spLocks noGrp="1"/>
           </p:cNvSpPr>
@@ -2408,13 +2125,7 @@
       </p:sp>
       <p:sp>
         <p:nvSpPr>
-          <p:cNvPr id="7" name="Slide Number Placeholder 6">
-            <a:extLst>
-              <a:ext uri="{FF2B5EF4-FFF2-40B4-BE49-F238E27FC236}">
-                <a16:creationId xmlns:a16="http://schemas.microsoft.com/office/drawing/2014/main" id="{615C266D-E1D8-7C41-9702-3176C2731B24}"/>
-              </a:ext>
-            </a:extLst>
-          </p:cNvPr>
+          <p:cNvPr id="7" name="Slide Number Placeholder 6"/>
           <p:cNvSpPr>
             <a:spLocks noGrp="1"/>
           </p:cNvSpPr>
@@ -2438,7 +2149,7 @@
     </p:spTree>
     <p:extLst>
       <p:ext uri="{BB962C8B-B14F-4D97-AF65-F5344CB8AC3E}">
-        <p14:creationId xmlns:p14="http://schemas.microsoft.com/office/powerpoint/2010/main" val="47065383"/>
+        <p14:creationId xmlns:p14="http://schemas.microsoft.com/office/powerpoint/2010/main" val="2568498677"/>
       </p:ext>
     </p:extLst>
   </p:cSld>
@@ -2467,13 +2178,7 @@
       </p:grpSpPr>
       <p:sp>
         <p:nvSpPr>
-          <p:cNvPr id="2" name="Title 1">
-            <a:extLst>
-              <a:ext uri="{FF2B5EF4-FFF2-40B4-BE49-F238E27FC236}">
-                <a16:creationId xmlns:a16="http://schemas.microsoft.com/office/drawing/2014/main" id="{8E42988B-8720-0640-8E34-E1E9F9718743}"/>
-              </a:ext>
-            </a:extLst>
-          </p:cNvPr>
+          <p:cNvPr id="2" name="Title 1"/>
           <p:cNvSpPr>
             <a:spLocks noGrp="1"/>
           </p:cNvSpPr>
@@ -2483,155 +2188,148 @@
         </p:nvSpPr>
         <p:spPr>
           <a:xfrm>
-            <a:off x="839788" y="457200"/>
-            <a:ext cx="3932237" cy="1600200"/>
+            <a:off x="1889524" y="914400"/>
+            <a:ext cx="8847533" cy="3200400"/>
           </a:xfrm>
         </p:spPr>
         <p:txBody>
           <a:bodyPr anchor="b"/>
           <a:lstStyle>
             <a:lvl1pPr>
+              <a:defRPr sz="6400"/>
+            </a:lvl1pPr>
+          </a:lstStyle>
+          <a:p>
+            <a:r>
+              <a:rPr lang="en-US"/>
+              <a:t>Click to edit Master title style</a:t>
+            </a:r>
+            <a:endParaRPr lang="en-US" dirty="0"/>
+          </a:p>
+        </p:txBody>
+      </p:sp>
+      <p:sp>
+        <p:nvSpPr>
+          <p:cNvPr id="3" name="Picture Placeholder 2"/>
+          <p:cNvSpPr>
+            <a:spLocks noGrp="1" noChangeAspect="1"/>
+          </p:cNvSpPr>
+          <p:nvPr>
+            <p:ph type="pic" idx="1"/>
+          </p:nvPr>
+        </p:nvSpPr>
+        <p:spPr>
+          <a:xfrm>
+            <a:off x="11662173" y="1974851"/>
+            <a:ext cx="13887450" cy="9747250"/>
+          </a:xfrm>
+        </p:spPr>
+        <p:txBody>
+          <a:bodyPr anchor="t"/>
+          <a:lstStyle>
+            <a:lvl1pPr marL="0" indent="0">
+              <a:buNone/>
+              <a:defRPr sz="6400"/>
+            </a:lvl1pPr>
+            <a:lvl2pPr marL="914400" indent="0">
+              <a:buNone/>
+              <a:defRPr sz="5600"/>
+            </a:lvl2pPr>
+            <a:lvl3pPr marL="1828800" indent="0">
+              <a:buNone/>
+              <a:defRPr sz="4800"/>
+            </a:lvl3pPr>
+            <a:lvl4pPr marL="2743200" indent="0">
+              <a:buNone/>
+              <a:defRPr sz="4000"/>
+            </a:lvl4pPr>
+            <a:lvl5pPr marL="3657600" indent="0">
+              <a:buNone/>
+              <a:defRPr sz="4000"/>
+            </a:lvl5pPr>
+            <a:lvl6pPr marL="4572000" indent="0">
+              <a:buNone/>
+              <a:defRPr sz="4000"/>
+            </a:lvl6pPr>
+            <a:lvl7pPr marL="5486400" indent="0">
+              <a:buNone/>
+              <a:defRPr sz="4000"/>
+            </a:lvl7pPr>
+            <a:lvl8pPr marL="6400800" indent="0">
+              <a:buNone/>
+              <a:defRPr sz="4000"/>
+            </a:lvl8pPr>
+            <a:lvl9pPr marL="7315200" indent="0">
+              <a:buNone/>
+              <a:defRPr sz="4000"/>
+            </a:lvl9pPr>
+          </a:lstStyle>
+          <a:p>
+            <a:r>
+              <a:rPr lang="en-US"/>
+              <a:t>Click icon to add picture</a:t>
+            </a:r>
+            <a:endParaRPr lang="en-US" dirty="0"/>
+          </a:p>
+        </p:txBody>
+      </p:sp>
+      <p:sp>
+        <p:nvSpPr>
+          <p:cNvPr id="4" name="Text Placeholder 3"/>
+          <p:cNvSpPr>
+            <a:spLocks noGrp="1"/>
+          </p:cNvSpPr>
+          <p:nvPr>
+            <p:ph type="body" sz="half" idx="2"/>
+          </p:nvPr>
+        </p:nvSpPr>
+        <p:spPr>
+          <a:xfrm>
+            <a:off x="1889524" y="4114800"/>
+            <a:ext cx="8847533" cy="7623176"/>
+          </a:xfrm>
+        </p:spPr>
+        <p:txBody>
+          <a:bodyPr/>
+          <a:lstStyle>
+            <a:lvl1pPr marL="0" indent="0">
+              <a:buNone/>
               <a:defRPr sz="3200"/>
             </a:lvl1pPr>
-          </a:lstStyle>
-          <a:p>
-            <a:r>
-              <a:rPr lang="en-US"/>
-              <a:t>Click to edit Master title style</a:t>
-            </a:r>
-          </a:p>
-        </p:txBody>
-      </p:sp>
-      <p:sp>
-        <p:nvSpPr>
-          <p:cNvPr id="3" name="Picture Placeholder 2">
-            <a:extLst>
-              <a:ext uri="{FF2B5EF4-FFF2-40B4-BE49-F238E27FC236}">
-                <a16:creationId xmlns:a16="http://schemas.microsoft.com/office/drawing/2014/main" id="{3C0A1FDA-47AC-F343-9AB8-8AE85451A152}"/>
-              </a:ext>
-            </a:extLst>
-          </p:cNvPr>
-          <p:cNvSpPr>
-            <a:spLocks noGrp="1"/>
-          </p:cNvSpPr>
-          <p:nvPr>
-            <p:ph type="pic" idx="1"/>
-          </p:nvPr>
-        </p:nvSpPr>
-        <p:spPr>
-          <a:xfrm>
-            <a:off x="5183188" y="987425"/>
-            <a:ext cx="6172200" cy="4873625"/>
-          </a:xfrm>
-        </p:spPr>
-        <p:txBody>
-          <a:bodyPr/>
-          <a:lstStyle>
-            <a:lvl1pPr marL="0" indent="0">
-              <a:buNone/>
-              <a:defRPr sz="3200"/>
-            </a:lvl1pPr>
-            <a:lvl2pPr marL="457200" indent="0">
+            <a:lvl2pPr marL="914400" indent="0">
               <a:buNone/>
               <a:defRPr sz="2800"/>
             </a:lvl2pPr>
-            <a:lvl3pPr marL="914400" indent="0">
+            <a:lvl3pPr marL="1828800" indent="0">
               <a:buNone/>
               <a:defRPr sz="2400"/>
             </a:lvl3pPr>
-            <a:lvl4pPr marL="1371600" indent="0">
+            <a:lvl4pPr marL="2743200" indent="0">
               <a:buNone/>
               <a:defRPr sz="2000"/>
             </a:lvl4pPr>
-            <a:lvl5pPr marL="1828800" indent="0">
+            <a:lvl5pPr marL="3657600" indent="0">
               <a:buNone/>
               <a:defRPr sz="2000"/>
             </a:lvl5pPr>
-            <a:lvl6pPr marL="2286000" indent="0">
+            <a:lvl6pPr marL="4572000" indent="0">
               <a:buNone/>
               <a:defRPr sz="2000"/>
             </a:lvl6pPr>
-            <a:lvl7pPr marL="2743200" indent="0">
+            <a:lvl7pPr marL="5486400" indent="0">
               <a:buNone/>
               <a:defRPr sz="2000"/>
             </a:lvl7pPr>
-            <a:lvl8pPr marL="3200400" indent="0">
+            <a:lvl8pPr marL="6400800" indent="0">
               <a:buNone/>
               <a:defRPr sz="2000"/>
             </a:lvl8pPr>
-            <a:lvl9pPr marL="3657600" indent="0">
+            <a:lvl9pPr marL="7315200" indent="0">
               <a:buNone/>
               <a:defRPr sz="2000"/>
             </a:lvl9pPr>
           </a:lstStyle>
           <a:p>
-            <a:endParaRPr lang="en-US"/>
-          </a:p>
-        </p:txBody>
-      </p:sp>
-      <p:sp>
-        <p:nvSpPr>
-          <p:cNvPr id="4" name="Text Placeholder 3">
-            <a:extLst>
-              <a:ext uri="{FF2B5EF4-FFF2-40B4-BE49-F238E27FC236}">
-                <a16:creationId xmlns:a16="http://schemas.microsoft.com/office/drawing/2014/main" id="{3D8F36CB-98BA-8640-9EDA-12F882F12F5A}"/>
-              </a:ext>
-            </a:extLst>
-          </p:cNvPr>
-          <p:cNvSpPr>
-            <a:spLocks noGrp="1"/>
-          </p:cNvSpPr>
-          <p:nvPr>
-            <p:ph type="body" sz="half" idx="2"/>
-          </p:nvPr>
-        </p:nvSpPr>
-        <p:spPr>
-          <a:xfrm>
-            <a:off x="839788" y="2057400"/>
-            <a:ext cx="3932237" cy="3811588"/>
-          </a:xfrm>
-        </p:spPr>
-        <p:txBody>
-          <a:bodyPr/>
-          <a:lstStyle>
-            <a:lvl1pPr marL="0" indent="0">
-              <a:buNone/>
-              <a:defRPr sz="1600"/>
-            </a:lvl1pPr>
-            <a:lvl2pPr marL="457200" indent="0">
-              <a:buNone/>
-              <a:defRPr sz="1400"/>
-            </a:lvl2pPr>
-            <a:lvl3pPr marL="914400" indent="0">
-              <a:buNone/>
-              <a:defRPr sz="1200"/>
-            </a:lvl3pPr>
-            <a:lvl4pPr marL="1371600" indent="0">
-              <a:buNone/>
-              <a:defRPr sz="1000"/>
-            </a:lvl4pPr>
-            <a:lvl5pPr marL="1828800" indent="0">
-              <a:buNone/>
-              <a:defRPr sz="1000"/>
-            </a:lvl5pPr>
-            <a:lvl6pPr marL="2286000" indent="0">
-              <a:buNone/>
-              <a:defRPr sz="1000"/>
-            </a:lvl6pPr>
-            <a:lvl7pPr marL="2743200" indent="0">
-              <a:buNone/>
-              <a:defRPr sz="1000"/>
-            </a:lvl7pPr>
-            <a:lvl8pPr marL="3200400" indent="0">
-              <a:buNone/>
-              <a:defRPr sz="1000"/>
-            </a:lvl8pPr>
-            <a:lvl9pPr marL="3657600" indent="0">
-              <a:buNone/>
-              <a:defRPr sz="1000"/>
-            </a:lvl9pPr>
-          </a:lstStyle>
-          <a:p>
             <a:pPr lvl="0"/>
             <a:r>
               <a:rPr lang="en-US"/>
@@ -2642,13 +2340,7 @@
       </p:sp>
       <p:sp>
         <p:nvSpPr>
-          <p:cNvPr id="5" name="Date Placeholder 4">
-            <a:extLst>
-              <a:ext uri="{FF2B5EF4-FFF2-40B4-BE49-F238E27FC236}">
-                <a16:creationId xmlns:a16="http://schemas.microsoft.com/office/drawing/2014/main" id="{02017308-5889-6A4E-ADB2-C4C02F9F34A7}"/>
-              </a:ext>
-            </a:extLst>
-          </p:cNvPr>
+          <p:cNvPr id="5" name="Date Placeholder 4"/>
           <p:cNvSpPr>
             <a:spLocks noGrp="1"/>
           </p:cNvSpPr>
@@ -2671,13 +2363,7 @@
       </p:sp>
       <p:sp>
         <p:nvSpPr>
-          <p:cNvPr id="6" name="Footer Placeholder 5">
-            <a:extLst>
-              <a:ext uri="{FF2B5EF4-FFF2-40B4-BE49-F238E27FC236}">
-                <a16:creationId xmlns:a16="http://schemas.microsoft.com/office/drawing/2014/main" id="{6DB065F5-499A-4641-8010-3B5258EC224E}"/>
-              </a:ext>
-            </a:extLst>
-          </p:cNvPr>
+          <p:cNvPr id="6" name="Footer Placeholder 5"/>
           <p:cNvSpPr>
             <a:spLocks noGrp="1"/>
           </p:cNvSpPr>
@@ -2696,13 +2382,7 @@
       </p:sp>
       <p:sp>
         <p:nvSpPr>
-          <p:cNvPr id="7" name="Slide Number Placeholder 6">
-            <a:extLst>
-              <a:ext uri="{FF2B5EF4-FFF2-40B4-BE49-F238E27FC236}">
-                <a16:creationId xmlns:a16="http://schemas.microsoft.com/office/drawing/2014/main" id="{FF0B99F6-4A1E-A240-9EB7-F42C3CB16F70}"/>
-              </a:ext>
-            </a:extLst>
-          </p:cNvPr>
+          <p:cNvPr id="7" name="Slide Number Placeholder 6"/>
           <p:cNvSpPr>
             <a:spLocks noGrp="1"/>
           </p:cNvSpPr>
@@ -2726,7 +2406,7 @@
     </p:spTree>
     <p:extLst>
       <p:ext uri="{BB962C8B-B14F-4D97-AF65-F5344CB8AC3E}">
-        <p14:creationId xmlns:p14="http://schemas.microsoft.com/office/powerpoint/2010/main" val="527155659"/>
+        <p14:creationId xmlns:p14="http://schemas.microsoft.com/office/powerpoint/2010/main" val="1532595162"/>
       </p:ext>
     </p:extLst>
   </p:cSld>
@@ -2760,13 +2440,7 @@
       </p:grpSpPr>
       <p:sp>
         <p:nvSpPr>
-          <p:cNvPr id="2" name="Title Placeholder 1">
-            <a:extLst>
-              <a:ext uri="{FF2B5EF4-FFF2-40B4-BE49-F238E27FC236}">
-                <a16:creationId xmlns:a16="http://schemas.microsoft.com/office/drawing/2014/main" id="{DC0EA495-6AE4-6940-97A7-621BA8CC6B2B}"/>
-              </a:ext>
-            </a:extLst>
-          </p:cNvPr>
+          <p:cNvPr id="2" name="Title Placeholder 1"/>
           <p:cNvSpPr>
             <a:spLocks noGrp="1"/>
           </p:cNvSpPr>
@@ -2776,8 +2450,8 @@
         </p:nvSpPr>
         <p:spPr>
           <a:xfrm>
-            <a:off x="838200" y="365125"/>
-            <a:ext cx="10515600" cy="1325563"/>
+            <a:off x="1885950" y="730251"/>
+            <a:ext cx="23660100" cy="2651126"/>
           </a:xfrm>
           <a:prstGeom prst="rect">
             <a:avLst/>
@@ -2793,18 +2467,13 @@
               <a:rPr lang="en-US"/>
               <a:t>Click to edit Master title style</a:t>
             </a:r>
-          </a:p>
-        </p:txBody>
-      </p:sp>
-      <p:sp>
-        <p:nvSpPr>
-          <p:cNvPr id="3" name="Text Placeholder 2">
-            <a:extLst>
-              <a:ext uri="{FF2B5EF4-FFF2-40B4-BE49-F238E27FC236}">
-                <a16:creationId xmlns:a16="http://schemas.microsoft.com/office/drawing/2014/main" id="{DF822C62-9A7D-3B4A-885C-159CD84DA399}"/>
-              </a:ext>
-            </a:extLst>
-          </p:cNvPr>
+            <a:endParaRPr lang="en-US" dirty="0"/>
+          </a:p>
+        </p:txBody>
+      </p:sp>
+      <p:sp>
+        <p:nvSpPr>
+          <p:cNvPr id="3" name="Text Placeholder 2"/>
           <p:cNvSpPr>
             <a:spLocks noGrp="1"/>
           </p:cNvSpPr>
@@ -2814,8 +2483,8 @@
         </p:nvSpPr>
         <p:spPr>
           <a:xfrm>
-            <a:off x="838200" y="1825625"/>
-            <a:ext cx="10515600" cy="4351338"/>
+            <a:off x="1885950" y="3651250"/>
+            <a:ext cx="23660100" cy="8702676"/>
           </a:xfrm>
           <a:prstGeom prst="rect">
             <a:avLst/>
@@ -2860,18 +2529,13 @@
               <a:rPr lang="en-US"/>
               <a:t>Fifth level</a:t>
             </a:r>
-          </a:p>
-        </p:txBody>
-      </p:sp>
-      <p:sp>
-        <p:nvSpPr>
-          <p:cNvPr id="4" name="Date Placeholder 3">
-            <a:extLst>
-              <a:ext uri="{FF2B5EF4-FFF2-40B4-BE49-F238E27FC236}">
-                <a16:creationId xmlns:a16="http://schemas.microsoft.com/office/drawing/2014/main" id="{5571BE04-7156-4B49-85B2-6EB86058D358}"/>
-              </a:ext>
-            </a:extLst>
-          </p:cNvPr>
+            <a:endParaRPr lang="en-US" dirty="0"/>
+          </a:p>
+        </p:txBody>
+      </p:sp>
+      <p:sp>
+        <p:nvSpPr>
+          <p:cNvPr id="4" name="Date Placeholder 3"/>
           <p:cNvSpPr>
             <a:spLocks noGrp="1"/>
           </p:cNvSpPr>
@@ -2881,8 +2545,8 @@
         </p:nvSpPr>
         <p:spPr>
           <a:xfrm>
-            <a:off x="838200" y="6356350"/>
-            <a:ext cx="2743200" cy="365125"/>
+            <a:off x="1885950" y="12712701"/>
+            <a:ext cx="6172200" cy="730250"/>
           </a:xfrm>
           <a:prstGeom prst="rect">
             <a:avLst/>
@@ -2892,7 +2556,7 @@
           <a:bodyPr vert="horz" lIns="91440" tIns="45720" rIns="91440" bIns="45720" rtlCol="0" anchor="ctr"/>
           <a:lstStyle>
             <a:lvl1pPr algn="l">
-              <a:defRPr sz="1200">
+              <a:defRPr sz="2400">
                 <a:solidFill>
                   <a:schemeClr val="tx1">
                     <a:tint val="75000"/>
@@ -2912,13 +2576,7 @@
       </p:sp>
       <p:sp>
         <p:nvSpPr>
-          <p:cNvPr id="5" name="Footer Placeholder 4">
-            <a:extLst>
-              <a:ext uri="{FF2B5EF4-FFF2-40B4-BE49-F238E27FC236}">
-                <a16:creationId xmlns:a16="http://schemas.microsoft.com/office/drawing/2014/main" id="{E0FD8359-98AD-9B4B-94F3-CC9DD8CBFAAC}"/>
-              </a:ext>
-            </a:extLst>
-          </p:cNvPr>
+          <p:cNvPr id="5" name="Footer Placeholder 4"/>
           <p:cNvSpPr>
             <a:spLocks noGrp="1"/>
           </p:cNvSpPr>
@@ -2928,8 +2586,8 @@
         </p:nvSpPr>
         <p:spPr>
           <a:xfrm>
-            <a:off x="4038600" y="6356350"/>
-            <a:ext cx="4114800" cy="365125"/>
+            <a:off x="9086850" y="12712701"/>
+            <a:ext cx="9258300" cy="730250"/>
           </a:xfrm>
           <a:prstGeom prst="rect">
             <a:avLst/>
@@ -2939,7 +2597,7 @@
           <a:bodyPr vert="horz" lIns="91440" tIns="45720" rIns="91440" bIns="45720" rtlCol="0" anchor="ctr"/>
           <a:lstStyle>
             <a:lvl1pPr algn="ctr">
-              <a:defRPr sz="1200">
+              <a:defRPr sz="2400">
                 <a:solidFill>
                   <a:schemeClr val="tx1">
                     <a:tint val="75000"/>
@@ -2955,13 +2613,7 @@
       </p:sp>
       <p:sp>
         <p:nvSpPr>
-          <p:cNvPr id="6" name="Slide Number Placeholder 5">
-            <a:extLst>
-              <a:ext uri="{FF2B5EF4-FFF2-40B4-BE49-F238E27FC236}">
-                <a16:creationId xmlns:a16="http://schemas.microsoft.com/office/drawing/2014/main" id="{F5EFDD7B-DCA7-C24D-86AA-E13F93EFD7F3}"/>
-              </a:ext>
-            </a:extLst>
-          </p:cNvPr>
+          <p:cNvPr id="6" name="Slide Number Placeholder 5"/>
           <p:cNvSpPr>
             <a:spLocks noGrp="1"/>
           </p:cNvSpPr>
@@ -2971,8 +2623,8 @@
         </p:nvSpPr>
         <p:spPr>
           <a:xfrm>
-            <a:off x="8610600" y="6356350"/>
-            <a:ext cx="2743200" cy="365125"/>
+            <a:off x="19373850" y="12712701"/>
+            <a:ext cx="6172200" cy="730250"/>
           </a:xfrm>
           <a:prstGeom prst="rect">
             <a:avLst/>
@@ -2982,7 +2634,7 @@
           <a:bodyPr vert="horz" lIns="91440" tIns="45720" rIns="91440" bIns="45720" rtlCol="0" anchor="ctr"/>
           <a:lstStyle>
             <a:lvl1pPr algn="r">
-              <a:defRPr sz="1200">
+              <a:defRPr sz="2400">
                 <a:solidFill>
                   <a:schemeClr val="tx1">
                     <a:tint val="75000"/>
@@ -3003,27 +2655,27 @@
     </p:spTree>
     <p:extLst>
       <p:ext uri="{BB962C8B-B14F-4D97-AF65-F5344CB8AC3E}">
-        <p14:creationId xmlns:p14="http://schemas.microsoft.com/office/powerpoint/2010/main" val="158612655"/>
+        <p14:creationId xmlns:p14="http://schemas.microsoft.com/office/powerpoint/2010/main" val="2794175866"/>
       </p:ext>
     </p:extLst>
   </p:cSld>
   <p:clrMap bg1="lt1" tx1="dk1" bg2="lt2" tx2="dk2" accent1="accent1" accent2="accent2" accent3="accent3" accent4="accent4" accent5="accent5" accent6="accent6" hlink="hlink" folHlink="folHlink"/>
   <p:sldLayoutIdLst>
-    <p:sldLayoutId id="2147483649" r:id="rId1"/>
-    <p:sldLayoutId id="2147483650" r:id="rId2"/>
-    <p:sldLayoutId id="2147483651" r:id="rId3"/>
-    <p:sldLayoutId id="2147483652" r:id="rId4"/>
-    <p:sldLayoutId id="2147483653" r:id="rId5"/>
-    <p:sldLayoutId id="2147483654" r:id="rId6"/>
-    <p:sldLayoutId id="2147483655" r:id="rId7"/>
-    <p:sldLayoutId id="2147483656" r:id="rId8"/>
-    <p:sldLayoutId id="2147483657" r:id="rId9"/>
-    <p:sldLayoutId id="2147483658" r:id="rId10"/>
-    <p:sldLayoutId id="2147483659" r:id="rId11"/>
+    <p:sldLayoutId id="2147483661" r:id="rId1"/>
+    <p:sldLayoutId id="2147483662" r:id="rId2"/>
+    <p:sldLayoutId id="2147483663" r:id="rId3"/>
+    <p:sldLayoutId id="2147483664" r:id="rId4"/>
+    <p:sldLayoutId id="2147483665" r:id="rId5"/>
+    <p:sldLayoutId id="2147483666" r:id="rId6"/>
+    <p:sldLayoutId id="2147483667" r:id="rId7"/>
+    <p:sldLayoutId id="2147483668" r:id="rId8"/>
+    <p:sldLayoutId id="2147483669" r:id="rId9"/>
+    <p:sldLayoutId id="2147483670" r:id="rId10"/>
+    <p:sldLayoutId id="2147483671" r:id="rId11"/>
   </p:sldLayoutIdLst>
   <p:txStyles>
     <p:titleStyle>
-      <a:lvl1pPr algn="l" defTabSz="914400" rtl="0" eaLnBrk="1" latinLnBrk="0" hangingPunct="1">
+      <a:lvl1pPr algn="l" defTabSz="1828800" rtl="0" eaLnBrk="1" latinLnBrk="0" hangingPunct="1">
         <a:lnSpc>
           <a:spcPct val="90000"/>
         </a:lnSpc>
@@ -3031,7 +2683,7 @@
           <a:spcPct val="0"/>
         </a:spcBef>
         <a:buNone/>
-        <a:defRPr sz="4400" kern="1200">
+        <a:defRPr sz="8800" kern="1200">
           <a:solidFill>
             <a:schemeClr val="tx1"/>
           </a:solidFill>
@@ -3042,7 +2694,25 @@
       </a:lvl1pPr>
     </p:titleStyle>
     <p:bodyStyle>
-      <a:lvl1pPr marL="228600" indent="-228600" algn="l" defTabSz="914400" rtl="0" eaLnBrk="1" latinLnBrk="0" hangingPunct="1">
+      <a:lvl1pPr marL="457200" indent="-457200" algn="l" defTabSz="1828800" rtl="0" eaLnBrk="1" latinLnBrk="0" hangingPunct="1">
+        <a:lnSpc>
+          <a:spcPct val="90000"/>
+        </a:lnSpc>
+        <a:spcBef>
+          <a:spcPts val="2000"/>
+        </a:spcBef>
+        <a:buFont typeface="Arial" panose="020B0604020202020204" pitchFamily="34" charset="0"/>
+        <a:buChar char="•"/>
+        <a:defRPr sz="5600" kern="1200">
+          <a:solidFill>
+            <a:schemeClr val="tx1"/>
+          </a:solidFill>
+          <a:latin typeface="+mn-lt"/>
+          <a:ea typeface="+mn-ea"/>
+          <a:cs typeface="+mn-cs"/>
+        </a:defRPr>
+      </a:lvl1pPr>
+      <a:lvl2pPr marL="1371600" indent="-457200" algn="l" defTabSz="1828800" rtl="0" eaLnBrk="1" latinLnBrk="0" hangingPunct="1">
         <a:lnSpc>
           <a:spcPct val="90000"/>
         </a:lnSpc>
@@ -3051,25 +2721,7 @@
         </a:spcBef>
         <a:buFont typeface="Arial" panose="020B0604020202020204" pitchFamily="34" charset="0"/>
         <a:buChar char="•"/>
-        <a:defRPr sz="2800" kern="1200">
-          <a:solidFill>
-            <a:schemeClr val="tx1"/>
-          </a:solidFill>
-          <a:latin typeface="+mn-lt"/>
-          <a:ea typeface="+mn-ea"/>
-          <a:cs typeface="+mn-cs"/>
-        </a:defRPr>
-      </a:lvl1pPr>
-      <a:lvl2pPr marL="685800" indent="-228600" algn="l" defTabSz="914400" rtl="0" eaLnBrk="1" latinLnBrk="0" hangingPunct="1">
-        <a:lnSpc>
-          <a:spcPct val="90000"/>
-        </a:lnSpc>
-        <a:spcBef>
-          <a:spcPts val="500"/>
-        </a:spcBef>
-        <a:buFont typeface="Arial" panose="020B0604020202020204" pitchFamily="34" charset="0"/>
-        <a:buChar char="•"/>
-        <a:defRPr sz="2400" kern="1200">
+        <a:defRPr sz="4800" kern="1200">
           <a:solidFill>
             <a:schemeClr val="tx1"/>
           </a:solidFill>
@@ -3078,16 +2730,16 @@
           <a:cs typeface="+mn-cs"/>
         </a:defRPr>
       </a:lvl2pPr>
-      <a:lvl3pPr marL="1143000" indent="-228600" algn="l" defTabSz="914400" rtl="0" eaLnBrk="1" latinLnBrk="0" hangingPunct="1">
+      <a:lvl3pPr marL="2286000" indent="-457200" algn="l" defTabSz="1828800" rtl="0" eaLnBrk="1" latinLnBrk="0" hangingPunct="1">
         <a:lnSpc>
           <a:spcPct val="90000"/>
         </a:lnSpc>
         <a:spcBef>
-          <a:spcPts val="500"/>
+          <a:spcPts val="1000"/>
         </a:spcBef>
         <a:buFont typeface="Arial" panose="020B0604020202020204" pitchFamily="34" charset="0"/>
         <a:buChar char="•"/>
-        <a:defRPr sz="2000" kern="1200">
+        <a:defRPr sz="4000" kern="1200">
           <a:solidFill>
             <a:schemeClr val="tx1"/>
           </a:solidFill>
@@ -3096,16 +2748,16 @@
           <a:cs typeface="+mn-cs"/>
         </a:defRPr>
       </a:lvl3pPr>
-      <a:lvl4pPr marL="1600200" indent="-228600" algn="l" defTabSz="914400" rtl="0" eaLnBrk="1" latinLnBrk="0" hangingPunct="1">
+      <a:lvl4pPr marL="3200400" indent="-457200" algn="l" defTabSz="1828800" rtl="0" eaLnBrk="1" latinLnBrk="0" hangingPunct="1">
         <a:lnSpc>
           <a:spcPct val="90000"/>
         </a:lnSpc>
         <a:spcBef>
-          <a:spcPts val="500"/>
+          <a:spcPts val="1000"/>
         </a:spcBef>
         <a:buFont typeface="Arial" panose="020B0604020202020204" pitchFamily="34" charset="0"/>
         <a:buChar char="•"/>
-        <a:defRPr sz="1800" kern="1200">
+        <a:defRPr sz="3600" kern="1200">
           <a:solidFill>
             <a:schemeClr val="tx1"/>
           </a:solidFill>
@@ -3114,16 +2766,16 @@
           <a:cs typeface="+mn-cs"/>
         </a:defRPr>
       </a:lvl4pPr>
-      <a:lvl5pPr marL="2057400" indent="-228600" algn="l" defTabSz="914400" rtl="0" eaLnBrk="1" latinLnBrk="0" hangingPunct="1">
+      <a:lvl5pPr marL="4114800" indent="-457200" algn="l" defTabSz="1828800" rtl="0" eaLnBrk="1" latinLnBrk="0" hangingPunct="1">
         <a:lnSpc>
           <a:spcPct val="90000"/>
         </a:lnSpc>
         <a:spcBef>
-          <a:spcPts val="500"/>
+          <a:spcPts val="1000"/>
         </a:spcBef>
         <a:buFont typeface="Arial" panose="020B0604020202020204" pitchFamily="34" charset="0"/>
         <a:buChar char="•"/>
-        <a:defRPr sz="1800" kern="1200">
+        <a:defRPr sz="3600" kern="1200">
           <a:solidFill>
             <a:schemeClr val="tx1"/>
           </a:solidFill>
@@ -3132,16 +2784,16 @@
           <a:cs typeface="+mn-cs"/>
         </a:defRPr>
       </a:lvl5pPr>
-      <a:lvl6pPr marL="2514600" indent="-228600" algn="l" defTabSz="914400" rtl="0" eaLnBrk="1" latinLnBrk="0" hangingPunct="1">
+      <a:lvl6pPr marL="5029200" indent="-457200" algn="l" defTabSz="1828800" rtl="0" eaLnBrk="1" latinLnBrk="0" hangingPunct="1">
         <a:lnSpc>
           <a:spcPct val="90000"/>
         </a:lnSpc>
         <a:spcBef>
-          <a:spcPts val="500"/>
+          <a:spcPts val="1000"/>
         </a:spcBef>
         <a:buFont typeface="Arial" panose="020B0604020202020204" pitchFamily="34" charset="0"/>
         <a:buChar char="•"/>
-        <a:defRPr sz="1800" kern="1200">
+        <a:defRPr sz="3600" kern="1200">
           <a:solidFill>
             <a:schemeClr val="tx1"/>
           </a:solidFill>
@@ -3150,16 +2802,16 @@
           <a:cs typeface="+mn-cs"/>
         </a:defRPr>
       </a:lvl6pPr>
-      <a:lvl7pPr marL="2971800" indent="-228600" algn="l" defTabSz="914400" rtl="0" eaLnBrk="1" latinLnBrk="0" hangingPunct="1">
+      <a:lvl7pPr marL="5943600" indent="-457200" algn="l" defTabSz="1828800" rtl="0" eaLnBrk="1" latinLnBrk="0" hangingPunct="1">
         <a:lnSpc>
           <a:spcPct val="90000"/>
         </a:lnSpc>
         <a:spcBef>
-          <a:spcPts val="500"/>
+          <a:spcPts val="1000"/>
         </a:spcBef>
         <a:buFont typeface="Arial" panose="020B0604020202020204" pitchFamily="34" charset="0"/>
         <a:buChar char="•"/>
-        <a:defRPr sz="1800" kern="1200">
+        <a:defRPr sz="3600" kern="1200">
           <a:solidFill>
             <a:schemeClr val="tx1"/>
           </a:solidFill>
@@ -3168,16 +2820,16 @@
           <a:cs typeface="+mn-cs"/>
         </a:defRPr>
       </a:lvl7pPr>
-      <a:lvl8pPr marL="3429000" indent="-228600" algn="l" defTabSz="914400" rtl="0" eaLnBrk="1" latinLnBrk="0" hangingPunct="1">
+      <a:lvl8pPr marL="6858000" indent="-457200" algn="l" defTabSz="1828800" rtl="0" eaLnBrk="1" latinLnBrk="0" hangingPunct="1">
         <a:lnSpc>
           <a:spcPct val="90000"/>
         </a:lnSpc>
         <a:spcBef>
-          <a:spcPts val="500"/>
+          <a:spcPts val="1000"/>
         </a:spcBef>
         <a:buFont typeface="Arial" panose="020B0604020202020204" pitchFamily="34" charset="0"/>
         <a:buChar char="•"/>
-        <a:defRPr sz="1800" kern="1200">
+        <a:defRPr sz="3600" kern="1200">
           <a:solidFill>
             <a:schemeClr val="tx1"/>
           </a:solidFill>
@@ -3186,16 +2838,16 @@
           <a:cs typeface="+mn-cs"/>
         </a:defRPr>
       </a:lvl8pPr>
-      <a:lvl9pPr marL="3886200" indent="-228600" algn="l" defTabSz="914400" rtl="0" eaLnBrk="1" latinLnBrk="0" hangingPunct="1">
+      <a:lvl9pPr marL="7772400" indent="-457200" algn="l" defTabSz="1828800" rtl="0" eaLnBrk="1" latinLnBrk="0" hangingPunct="1">
         <a:lnSpc>
           <a:spcPct val="90000"/>
         </a:lnSpc>
         <a:spcBef>
-          <a:spcPts val="500"/>
+          <a:spcPts val="1000"/>
         </a:spcBef>
         <a:buFont typeface="Arial" panose="020B0604020202020204" pitchFamily="34" charset="0"/>
         <a:buChar char="•"/>
-        <a:defRPr sz="1800" kern="1200">
+        <a:defRPr sz="3600" kern="1200">
           <a:solidFill>
             <a:schemeClr val="tx1"/>
           </a:solidFill>
@@ -3209,8 +2861,8 @@
       <a:defPPr>
         <a:defRPr lang="en-US"/>
       </a:defPPr>
-      <a:lvl1pPr marL="0" algn="l" defTabSz="914400" rtl="0" eaLnBrk="1" latinLnBrk="0" hangingPunct="1">
-        <a:defRPr sz="1800" kern="1200">
+      <a:lvl1pPr marL="0" algn="l" defTabSz="1828800" rtl="0" eaLnBrk="1" latinLnBrk="0" hangingPunct="1">
+        <a:defRPr sz="3600" kern="1200">
           <a:solidFill>
             <a:schemeClr val="tx1"/>
           </a:solidFill>
@@ -3219,8 +2871,8 @@
           <a:cs typeface="+mn-cs"/>
         </a:defRPr>
       </a:lvl1pPr>
-      <a:lvl2pPr marL="457200" algn="l" defTabSz="914400" rtl="0" eaLnBrk="1" latinLnBrk="0" hangingPunct="1">
-        <a:defRPr sz="1800" kern="1200">
+      <a:lvl2pPr marL="914400" algn="l" defTabSz="1828800" rtl="0" eaLnBrk="1" latinLnBrk="0" hangingPunct="1">
+        <a:defRPr sz="3600" kern="1200">
           <a:solidFill>
             <a:schemeClr val="tx1"/>
           </a:solidFill>
@@ -3229,8 +2881,8 @@
           <a:cs typeface="+mn-cs"/>
         </a:defRPr>
       </a:lvl2pPr>
-      <a:lvl3pPr marL="914400" algn="l" defTabSz="914400" rtl="0" eaLnBrk="1" latinLnBrk="0" hangingPunct="1">
-        <a:defRPr sz="1800" kern="1200">
+      <a:lvl3pPr marL="1828800" algn="l" defTabSz="1828800" rtl="0" eaLnBrk="1" latinLnBrk="0" hangingPunct="1">
+        <a:defRPr sz="3600" kern="1200">
           <a:solidFill>
             <a:schemeClr val="tx1"/>
           </a:solidFill>
@@ -3239,8 +2891,8 @@
           <a:cs typeface="+mn-cs"/>
         </a:defRPr>
       </a:lvl3pPr>
-      <a:lvl4pPr marL="1371600" algn="l" defTabSz="914400" rtl="0" eaLnBrk="1" latinLnBrk="0" hangingPunct="1">
-        <a:defRPr sz="1800" kern="1200">
+      <a:lvl4pPr marL="2743200" algn="l" defTabSz="1828800" rtl="0" eaLnBrk="1" latinLnBrk="0" hangingPunct="1">
+        <a:defRPr sz="3600" kern="1200">
           <a:solidFill>
             <a:schemeClr val="tx1"/>
           </a:solidFill>
@@ -3249,8 +2901,8 @@
           <a:cs typeface="+mn-cs"/>
         </a:defRPr>
       </a:lvl4pPr>
-      <a:lvl5pPr marL="1828800" algn="l" defTabSz="914400" rtl="0" eaLnBrk="1" latinLnBrk="0" hangingPunct="1">
-        <a:defRPr sz="1800" kern="1200">
+      <a:lvl5pPr marL="3657600" algn="l" defTabSz="1828800" rtl="0" eaLnBrk="1" latinLnBrk="0" hangingPunct="1">
+        <a:defRPr sz="3600" kern="1200">
           <a:solidFill>
             <a:schemeClr val="tx1"/>
           </a:solidFill>
@@ -3259,8 +2911,8 @@
           <a:cs typeface="+mn-cs"/>
         </a:defRPr>
       </a:lvl5pPr>
-      <a:lvl6pPr marL="2286000" algn="l" defTabSz="914400" rtl="0" eaLnBrk="1" latinLnBrk="0" hangingPunct="1">
-        <a:defRPr sz="1800" kern="1200">
+      <a:lvl6pPr marL="4572000" algn="l" defTabSz="1828800" rtl="0" eaLnBrk="1" latinLnBrk="0" hangingPunct="1">
+        <a:defRPr sz="3600" kern="1200">
           <a:solidFill>
             <a:schemeClr val="tx1"/>
           </a:solidFill>
@@ -3269,8 +2921,8 @@
           <a:cs typeface="+mn-cs"/>
         </a:defRPr>
       </a:lvl6pPr>
-      <a:lvl7pPr marL="2743200" algn="l" defTabSz="914400" rtl="0" eaLnBrk="1" latinLnBrk="0" hangingPunct="1">
-        <a:defRPr sz="1800" kern="1200">
+      <a:lvl7pPr marL="5486400" algn="l" defTabSz="1828800" rtl="0" eaLnBrk="1" latinLnBrk="0" hangingPunct="1">
+        <a:defRPr sz="3600" kern="1200">
           <a:solidFill>
             <a:schemeClr val="tx1"/>
           </a:solidFill>
@@ -3279,8 +2931,8 @@
           <a:cs typeface="+mn-cs"/>
         </a:defRPr>
       </a:lvl7pPr>
-      <a:lvl8pPr marL="3200400" algn="l" defTabSz="914400" rtl="0" eaLnBrk="1" latinLnBrk="0" hangingPunct="1">
-        <a:defRPr sz="1800" kern="1200">
+      <a:lvl8pPr marL="6400800" algn="l" defTabSz="1828800" rtl="0" eaLnBrk="1" latinLnBrk="0" hangingPunct="1">
+        <a:defRPr sz="3600" kern="1200">
           <a:solidFill>
             <a:schemeClr val="tx1"/>
           </a:solidFill>
@@ -3289,8 +2941,8 @@
           <a:cs typeface="+mn-cs"/>
         </a:defRPr>
       </a:lvl8pPr>
-      <a:lvl9pPr marL="3657600" algn="l" defTabSz="914400" rtl="0" eaLnBrk="1" latinLnBrk="0" hangingPunct="1">
-        <a:defRPr sz="1800" kern="1200">
+      <a:lvl9pPr marL="7315200" algn="l" defTabSz="1828800" rtl="0" eaLnBrk="1" latinLnBrk="0" hangingPunct="1">
+        <a:defRPr sz="3600" kern="1200">
           <a:solidFill>
             <a:schemeClr val="tx1"/>
           </a:solidFill>
@@ -3335,7 +2987,7 @@
         </p:nvGrpSpPr>
         <p:grpSpPr>
           <a:xfrm>
-            <a:off x="-1435100" y="-2717800"/>
+            <a:off x="6184900" y="711200"/>
             <a:ext cx="15214600" cy="12573000"/>
             <a:chOff x="-1435100" y="-2717800"/>
             <a:chExt cx="15214600" cy="12573000"/>
@@ -4557,7 +4209,7 @@
 <file path=ppt/theme/theme1.xml><?xml version="1.0" encoding="utf-8"?>
 <a:theme xmlns:a="http://schemas.openxmlformats.org/drawingml/2006/main" name="Office Theme">
   <a:themeElements>
-    <a:clrScheme name="Office">
+    <a:clrScheme name="Office Theme">
       <a:dk1>
         <a:sysClr val="windowText" lastClr="000000"/>
       </a:dk1>
@@ -4595,7 +4247,7 @@
         <a:srgbClr val="954F72"/>
       </a:folHlink>
     </a:clrScheme>
-    <a:fontScheme name="Office">
+    <a:fontScheme name="Office Theme">
       <a:majorFont>
         <a:latin typeface="Calibri Light" panose="020F0302020204030204"/>
         <a:ea typeface=""/>
@@ -4630,23 +4282,6 @@
         <a:font script="Viet" typeface="Times New Roman"/>
         <a:font script="Uigh" typeface="Microsoft Uighur"/>
         <a:font script="Geor" typeface="Sylfaen"/>
-        <a:font script="Armn" typeface="Arial"/>
-        <a:font script="Bugi" typeface="Leelawadee UI"/>
-        <a:font script="Bopo" typeface="Microsoft JhengHei"/>
-        <a:font script="Java" typeface="Javanese Text"/>
-        <a:font script="Lisu" typeface="Segoe UI"/>
-        <a:font script="Mymr" typeface="Myanmar Text"/>
-        <a:font script="Nkoo" typeface="Ebrima"/>
-        <a:font script="Olck" typeface="Nirmala UI"/>
-        <a:font script="Osma" typeface="Ebrima"/>
-        <a:font script="Phag" typeface="Phagspa"/>
-        <a:font script="Syrn" typeface="Estrangelo Edessa"/>
-        <a:font script="Syrj" typeface="Estrangelo Edessa"/>
-        <a:font script="Syre" typeface="Estrangelo Edessa"/>
-        <a:font script="Sora" typeface="Nirmala UI"/>
-        <a:font script="Tale" typeface="Microsoft Tai Le"/>
-        <a:font script="Talu" typeface="Microsoft New Tai Lue"/>
-        <a:font script="Tfng" typeface="Ebrima"/>
       </a:majorFont>
       <a:minorFont>
         <a:latin typeface="Calibri" panose="020F0502020204030204"/>
@@ -4682,26 +4317,9 @@
         <a:font script="Viet" typeface="Arial"/>
         <a:font script="Uigh" typeface="Microsoft Uighur"/>
         <a:font script="Geor" typeface="Sylfaen"/>
-        <a:font script="Armn" typeface="Arial"/>
-        <a:font script="Bugi" typeface="Leelawadee UI"/>
-        <a:font script="Bopo" typeface="Microsoft JhengHei"/>
-        <a:font script="Java" typeface="Javanese Text"/>
-        <a:font script="Lisu" typeface="Segoe UI"/>
-        <a:font script="Mymr" typeface="Myanmar Text"/>
-        <a:font script="Nkoo" typeface="Ebrima"/>
-        <a:font script="Olck" typeface="Nirmala UI"/>
-        <a:font script="Osma" typeface="Ebrima"/>
-        <a:font script="Phag" typeface="Phagspa"/>
-        <a:font script="Syrn" typeface="Estrangelo Edessa"/>
-        <a:font script="Syrj" typeface="Estrangelo Edessa"/>
-        <a:font script="Syre" typeface="Estrangelo Edessa"/>
-        <a:font script="Sora" typeface="Nirmala UI"/>
-        <a:font script="Tale" typeface="Microsoft Tai Le"/>
-        <a:font script="Talu" typeface="Microsoft New Tai Lue"/>
-        <a:font script="Tfng" typeface="Ebrima"/>
       </a:minorFont>
     </a:fontScheme>
-    <a:fmtScheme name="Office">
+    <a:fmtScheme name="Office Theme">
       <a:fillStyleLst>
         <a:solidFill>
           <a:schemeClr val="phClr"/>
